--- a/CSI3002 Applied Cryptography and Network Security/reference materials/2_Module1.pptx
+++ b/CSI3002 Applied Cryptography and Network Security/reference materials/2_Module1.pptx
@@ -181,7 +181,7 @@
   <inkml:trace contextRef="#ctx0" brushRef="#br0" timeOffset="76444.32">1605 3643 1367 0,'4'-9'222'0,"-1"2"28"0,-1 1 24 0,-2 2-39 16,2-1-27-16,0 2-24 0,-2 1-19 15,0 1 22-15,0 2 6 0,-2 1 7 0,0 2 5 16,-5 8-2-16,-2 1-13 0,0 2-10 0,-2 2-17 15,3 2-4-15,-6 0-17 0,3 0-14 0,2-1-16 16,-3 0-15-16,1-2-23 0,2-2-43 16,-1-1-28-16,0-3-35 0,5-1 3 0,1-3-93 15,-2-2-55-15,0-2-70 0,6-2 25 16,0 0-299-16,0 0 48 0,-7 0 4 0,7 0 54 16,-15-11-4-16,10 8 74 0,1-2-4 0,-7-6 22 15,4 2 28-15,-2-1 27 0</inkml:trace>
   <inkml:trace contextRef="#ctx0" brushRef="#br0" timeOffset="76632.33">1317 3670 368 0,'-2'-3'396'0,"0"3"-75"16,0-1-43-16,2 1-8 0,0-2 7 16,0 4-24-16,2-2-31 0,0 1 33 0,2-1-32 15,4 3-23-15,-2-3-44 0,14 1-10 0,-10-1-16 16,7 0-107-16,5 0-31 0,2 0-54 15,2 0-33-15,1 0 8 0,0 0-220 0,-1 0-128 16,2 0 40-16,-1 0 40 0,0 0 22 0,0 0-8 16,2 0 41-16,-1 0 6 0</inkml:trace>
   <inkml:trace contextRef="#ctx0" brushRef="#br0" timeOffset="77520.73">2511 3603 864 0,'8'-3'288'15,"-3"0"-42"-15,2-1 14 0,-2 3-28 0,0-2-3 16,0 2-19-16,-2-2-20 0,2 0-2 16,-1 1-4-16,0-1-19 0,0 1-19 0,-2-3-16 15,1 2 23-15,0-1-10 0,-1 0 6 16,0 0-8-16,-2 4-16 0,0 0-14 0,0-7-11 16,0 7-12-16,-21-20-10 0,5 12 2 15,-1 2-4-15,3 6-3 0,6 0-29 0,-6 0 9 16,-18 13-13-16,11-5-7 0,2 3 4 0,2 1 6 15,2 1-14-15,0 1 3 0,0 3 2 16,6-1-9-16,1 1-6 0,3 0 1 0,2-1 13 16,1-2-11-16,2-3-14 0,0-11 9 0,0 10 8 15,12 14 7-15,-9-14-21 0,7-1 0 0,0 1 3 16,0-4-3-16,-2-2 9 0,4-3-6 16,-4 2-9-16,1-2-7 0,-1-1-15 0,-1 0 0 15,-1 2 11-15,-6-2-13 0,0 0 12 16,6 0-7-16,-6 0-10 0,7 0 18 0,-7 0-8 15,0 0 11-15,11-7-19 0,-12 7 7 0,-3 1 10 16,0 0 6-16,-3 2-4 0,-10 2-2 0,2 3-3 16,0 0 9-16,-3 3 2 0,1 3 4 0,3-2-3 15,1 2 2-15,-3 6 4 0,5-5 3 16,2 2-4-16,2 0-3 0,3-3 4 0,1 1 1 16,3-15 8-16,0 12-1 0,0-1-11 15,21 12-10-15,-7-15-21 0,4-2-13 0,6-1-31 16,2-1 8-16,6-1-57 0,0-3-28 0,3 0-44 15,-19 0-31-15,9 0-46 0,33-10 24 16,-25 6-218-16,-5 0-6 0,1-4 30 0,-1 2 57 16,1 2 15-16,-1-3 11 0,-1-2 15 0,-3 1 42 15,4 1 11-15</inkml:trace>
-  <inkml:trace contextRef="#ctx0" brushRef="#br0" timeOffset="77788.43">3016 3875 254 0,'0'-2'433'0,"-2"-1"-20"0,2 1-59 15,-3 0-22-15,0-1-44 0,-1 0 14 0,-2 1-12 16,-9-3-25-16,1 4-22 0,14 1-31 0,-16 0 0 16,1 0-20-16,-4 0-16 0,2 0-6 0,-3 0-24 15,-16 14-26-15,20-8 4 0,0 0-17 16,0 4-6-16,1 1-14 0,2 0-1 0,1 3-10 16,4 0-17-16,1 0-3 0,4-2-5 15,1-1 9-15,2-11-24 0,0 9-1 16,12 10-20-16,0-9-27 0,0-7-31 0,1-2-29 15,5 1 6-15,-7-2-73 0,4 0-19 0,21-15-52 16,-16 4-7-16,4 2-34 0,-4-3 23 16,-4-5-152-16,1 0-73 0,-2 0 21 15,-3-2 6-15,0-1 57 0,-2-2 28 0,-2 1 13 16,1 0 22-16,-2 0-8 0</inkml:trace>
+  <inkml:trace contextRef="#ctx0" brushRef="#br0" timeOffset="77788.42">3016 3875 254 0,'0'-2'433'0,"-2"-1"-20"0,2 1-59 15,-3 0-22-15,0-1-44 0,-1 0 14 0,-2 1-12 16,-9-3-25-16,1 4-22 0,14 1-31 0,-16 0 0 16,1 0-20-16,-4 0-16 0,2 0-6 0,-3 0-24 15,-16 14-26-15,20-8 4 0,0 0-17 16,0 4-6-16,1 1-14 0,2 0-1 0,1 3-10 16,4 0-17-16,1 0-3 0,4-2-5 15,1-1 9-15,2-11-24 0,0 9-1 16,12 10-20-16,0-9-27 0,0-7-31 0,1-2-29 15,5 1 6-15,-7-2-73 0,4 0-19 0,21-15-52 16,-16 4-7-16,4 2-34 0,-4-3 23 16,-4-5-152-16,1 0-73 0,-2 0 21 15,-3-2 6-15,0-1 57 0,-2-2 28 0,-2 1 13 16,1 0 22-16,-2 0-8 0</inkml:trace>
   <inkml:trace contextRef="#ctx0" brushRef="#br0" timeOffset="78419.28">3035 3612 593 0,'-7'-13'300'0,"1"1"-24"15,0 2 4-15,0-4-33 0,0 7-5 0,1 1-40 16,2 2-17-16,-1-1-4 0,0 2 14 0,1 2-29 16,0-2-15-16,0 3 10 0,3 0 2 0,0 0-14 15,0 0 17-15,-12 21-11 0,9-3 10 16,1 1-2-16,-1 5 1 0,2 1 8 16,1-11-18-16,0 9 17 0,0 3-5 0,0 1-20 15,15 30-4-15,-11-28-24 0,2-3-7 0,0 1 4 16,1 2-29-16,0-4 10 0,-1-1-24 15,2-5 8-15,1-2-9 0,0-3-12 0,2-4-33 16,0-5-12-16,0-2-18 0,-11-3-19 16,16 0-22-16,-3 0-23 0,21-13-2 0,-15 3-34 15,1 4 3-15,-2-6 18 0,0 1 4 0,-3 0-20 16,1-1 21-16,-3 1-1 0,-3-1 8 0,0 3 2 16,-2 2 30-16,-3 2 12 0,-1 0 11 15,-4 1-3-15,2 3 16 0,1-1-15 0,-3 1-4 16,0 1 5-16,0 0 37 0,0 5-10 15,-2 1 21-15,1-2 7 0,-3 11 5 0,1-4 0 16,1 2 8-16,1-3-5 0,1 0 8 0,-1-1 0 16,1-9-5-16,0 8-6 0,0 4 1 0,10 14 3 15,-6-16 3-15,3-3-5 0,0-3-5 16,0-2-6-16,1-1-26 0,1-2-8 0,-1 1-11 16,19-12-22-16,-11 4-18 0,1-5-11 15,2 2-6-15,-5 0-29 0,1-3 34 0,-1 2 7 16,-2-1-27-16,0 1 8 0,-2 0 17 0,-4 6 5 15,-2 0 4-15,1 0 18 0,-2 2 7 16,-1 0 23-16,-1 1-1 0,0 0-21 16,-1 2 7-16,0 1-1 0,0 0 28 0,0 1 2 15,-1 0 8-15,-1 3-5 0,0-3 19 0,2 4 3 16,-2 0 13-16,1 2-5 0,0 0-3 16,2 1 0-16,-1-2 7 0,0 2 3 0,0 4-2 15,0-2-9-15,12 14 4 0,-5-12-7 0,-1-3-14 16,2-4 8-16,-1-1-17 0,9 1-30 0,-4-4-22 15,-12-1-32-15,10 0 7 0,2 0-79 16,-3 0-70-16,-1 0-34 0,-2 0-58 0,-6 0 32 16,17-12-220-16,-13 10 11 0,-1-2 33 15,1 2 43-15,1-2 17 0,0 0 39 0,-1 0 21 0,8-5 25 16,2 0 21-16,-4 3-53 0</inkml:trace>
   <inkml:trace contextRef="#ctx0" brushRef="#br0" timeOffset="78784.75">3853 3859 339 0,'1'-1'440'0,"-1"0"-58"0,-1-1-55 0,0 1-42 15,-1 0-37-15,-1 3 75 0,-1-1-22 0,-2-1-5 16,1 2-28-16,-8 4-14 0,1-2-4 16,-1 6-22-16,1 1-23 0,-2 1 10 0,3-1-6 15,-1 6-12-15,3-1-12 0,1 2-28 16,5-1 0-16,-1-1-23 0,4-2-14 0,0-6-22 16,0 4-1-16,15 13-5 0,-7-15-21 15,5-1-10-15,1-2-37 0,3-3-33 0,0-1-33 16,5-2-34-16,2-1-38 0,2 2 11 0,-13-2-88 15,7 0-28-15,3 0-30 0,25-17-31 0,-21 14 25 16,-5-6-145-16,-4 2-88 0,2-2 36 16,-2 0 18-16,-3 2 33 0,1-2 50 15,-5 1 21-15,-3 3 26 0,-2-1-4 0,-2 0-3 16,0 2 2-16</inkml:trace>
   <inkml:trace contextRef="#ctx0" brushRef="#br0" timeOffset="79417.45">4163 3955 486 0,'0'-5'315'0,"1"4"-8"0,-1-4-2 15,2 2-12-15,-4 0 10 0,2 0-38 16,-2-1 23-16,0 2-31 0,-1-2 1 0,-1 3-28 16,0-2-3-16,-2 0-27 0,-1 1 0 0,0 2-12 15,-12 0-23-15,2 0 6 0,9 0-11 0,-17 10-8 16,9 1-3-16,1 1-8 0,1 0-18 16,0 2-13-16,2 3-2 0,1-7-4 0,4 5-23 15,0 3-3-15,0-4 1 0,5-4-15 0,1-1-9 16,1-9-4-16,0 7 16 0,0-7-18 0,0 7-18 15,14 2-6-15,-9-8-23 0,0-1-29 0,3-1-2 16,8-5-24-16,1-2-8 0,-1 1-12 16,3-4-21-16,-2 0-12 0,0-1 10 0,-1-1-32 15,-2-2 13-15,-3 3 10 0,2 3 21 16,-4-2 20-16,-5 3 6 0,2 3 9 16,-3 1 16-16,1 1 3 0,0 2 4 0,-1-1 3 15,-2 2 32-15,-1 0 19 0,0 0 5 16,0 0 13-16,4 11-6 0,-2-4 11 0,0-1 0 15,-1 1-1-15,5 7-12 0,-2-3-1 0,3 0-7 16,1 1 1-16,1-2 1 0,-3-5-13 16,1-2 0-16,1 4 7 0,-1-5-3 0,2 1-20 15,-2-2-17-15,2-1-4 0,-1 0-7 0,4 0-19 16,16-13-11-16,-13 5 4 0,-1-2-43 16,-1-2-26-16,-2-2-9 0,0-4 13 0,0 0-13 15,-1-5-4-15,-3 0 17 0,2-2 6 0,-2 1 24 16,0-2 8-16,-1-1 2 0,1 0 34 0,-3 2 32 15,-2 4 23-15,2 0 21 0,-4 3-4 16,2 7-4-16,-2 11-1 0,0-10 41 0,0 2 10 16,0 1-3-16,0 7-9 0,0 0 2 0,-9-10 23 15,7 13 3-15,-3 3 9 0,0 11 4 0,-1 3 0 16,0 2 9-16,3 3-13 0,1 2 24 16,2 1-18-16,0-14-10 0,0 8-7 0,0 5 12 15,0-2-27-15,11 25-11 0,-5-25 13 0,-1-4-21 16,0-4-26-16,1-2-29 0,0 0-35 15,-2-3-44-15,0-8-43 0,2 0 13 0,0-1-114 16,-6-3-32-16,0 0-43 0,7 0 26 16,9-17-267-16,-10 9 45 0,-1 1 8 0,-2-2 38 15,-3 0 35-15,0 1 58 0,0 8 16 0,0-8 15 16,0 1 1-16,-14-12-4 0</inkml:trace>
@@ -312,7 +312,7 @@
   <inkml:trace contextRef="#ctx0" brushRef="#br0" timeOffset="70998.17">7089 9726 314 0,'0'-1'180'0,"0"0"-8"16,0 0-32-16,-2 2-9 0,2-1-7 0,-2 2-4 15,0-2-15-15,2 5-8 0,-2-3-11 16,0 4-12-16,0-2-10 0,-4 10 9 0,-2-2-17 16,0 3-1-16,3-2-16 0,-4-1 3 15,2 3 0-15,-2-1-4 0,-3-1-40 0,2 0-23 16,-2-2-20-16,4 3 4 0,-2-5-181 0,1 3-93 15,2-4-29-15,0-1 43 0,2-2-8 16</inkml:trace>
   <inkml:trace contextRef="#ctx0" brushRef="#br0" timeOffset="71807.36">6930 9989 401 0,'0'1'209'0,"1"0"-20"0,0 1-10 15,0-1 0-15,-1-1-20 0,1 3-5 16,0-3-12-16,-1 0-19 0,2 0-13 0,-2 0 2 16,0 0-21-16,1 0-4 0,-2 0-9 15,2 0-10-15,-1 0-8 0,-1 0 3 0,1 0-7 16,-2 0-16-16,2 0 13 0,2 0-11 0,-2 0-21 16,0 0 3-16,0 0 1 0,0 0-2 15,1 0 10-15,-2 2-21 0,1-4 10 0,0 2-6 16,1 2 5-16,0-2 3 0,-1 0 5 15,-1 0-11-15,1 0-1 0,0 0-11 0,0 0 23 16,1 0-27-16,-2-2 12 0,2 4-10 16,-1-2 5-16,0 0 8 0,0 0-4 0,0 0-1 15,-1 0-9-15,2 0 7 0,-1 0-7 0,0 0 2 16,-1 0 2-16,1 1 2 0,1-2-6 0,-1 1-5 16,0 0 2-16,0 0-5 0,0 1 7 0,-1-2 9 15,1 2-5-15,0-1-13 0,0 0-2 16,-1 0 17-16,1-1-6 0,0 1 3 0,0 0-8 15,1 0 14-15,-2 0-15 0,2 0 2 0,-2 0-1 16,-1 0 0-16,4 0 15 0,-2 0-3 16,0 0-10-16,0 0-6 0,0 0 4 0,0 0-9 15,0 1 10-15,-2-2 0 0,4 1 7 0,-2 0-2 16,0 0-3-16,0 0-7 0,0 0 10 16,1 0-7-16,-1 0 2 0,0 0 12 15,0 0-6-15,1 0-8 0,-1 0 0 0,0 0 9 16,1 0-4-16,-2 0-3 0,1 0 12 0,1 0-13 15,-1-2 7-15,1 4 7 0,-1-2 0 0,-1-2 5 16,2 2-5-16,-1 0-3 0,-1 0-5 16,2 0 4-16,-1 0-6 0,0 0 19 0,-1 2 0 15,1-2-5-15,-1 0-10 0,0-2 10 16,2 2-13-16,-1 2-8 0,0-2 9 0,0 0-2 16,0 0 15-16,0 0-21 0,0 0 13 0,0 0-16 15,0 0 19-15,0 0 1 0,0 0-12 0,0 0 4 16,0 0-12-16,0 0 19 0,0 0-1 15,0 0-16-15,0 0 7 0,0 0 5 0,0 0-18 16,0 0 2-16,0 0 10 0,0 0-6 16,0 0 11-16,0 0 10 0,0 0-17 0,0 0-4 15,0 0 9-15,0 0-6 0,0 0 3 0,0 0 10 16,0 0-13-16,0 0-6 0,0 0 7 0,0 0 12 16,0 0 5-16,0 0-4 0,0 0-12 15,0 0-5-15,0 0 8 0,0 0-9 16,0 0 18-16,0 0-8 0,0 0-4 0,0 0 10 15,0 0-8-15,0 0-5 0,0 0-7 0,0 0-17 16,0 0-26-16,0 0-22 0,0 0-10 0,0 0-16 16,0 0-32-16,0 0 12 0,0 0-109 15,0 0-81-15,0 0-43 0,0 0 14 0,0 0-7 16,0 0 59-16,0 0-6 0</inkml:trace>
   <inkml:trace contextRef="#ctx0" brushRef="#br0" timeOffset="73204.62">7148 11436 236 0,'15'0'320'0,"-15"0"-64"16,0 0-21-16,0 0-42 0,0 0-12 0,0 0-9 15,12 0-18-15,-12 0 6 0,0 0-27 16,0 0-12-16,0 0-5 0,0 0-6 0,0 0-4 16,0 0-12-16,0 0-1 0,0 0-7 0,0 0-18 15,0 0 6-15,20-14 1 0,-20 13 5 16,1-2-9-16,-2 2-6 0,2-2-14 0,0 1-7 16,0 0 5-16,-1 2-21 0,0-3 13 15,0 1-7-15,-2 2 3 0,2-1-16 0,0 0 9 16,-1-1-11-16,1 1 5 0,0 1-10 15,1-2 4-15,-1 1 9 0,0 1-30 0,0-1 18 16,-1 1 10-16,1 0-17 0,0 0-4 0,0 0-1 16,0 0 11-16,0 0-9 0,0 0-5 0,0 0 9 15,0 0 7-15,0 0-15 0,0 0 8 16,0 0-11-16,0 0 13 0,0 0-11 0,0 0 12 16,0 0-23-16,0 0 12 0,0 0-3 15,0 0 5-15,0 0-2 0,2-7 1 0,-2 7 15 16,1 0-24-16,-1 0 21 0,0 0 8 0,1 0-29 15,-2 0 0-15,1 0 35 0,-1 0-2 16,1 0-33-16,-1-1 16 0,1 1-7 0,0-1 21 16,-1 0-1-16,1 1-17 0,0 0-9 0,0 0 8 15,1-1-6-15,-2 0 0 0,1-2 10 16,0 3 6-16,1-1-22 0,-1 1 1 0,0 0 5 16,0 0-4-16,0 0-8 0,-1-1 11 0,1 1 2 15,0 0-8-15,-1 0 6 0,1 0 19 16,0 0-17-16,0 0 8 0,-1-1-19 15,1 1 18-15,1-2-3 0,0 2 8 0,-2 0-24 16,1 0-1-16,1 0-20 0,-1 0-3 0,-2 0-18 16,3 0-12-16,0 0-25 0,-1 0-37 15,1-3-9-15,2 3-18 0,2-1 12 0,-1-2-167 16,10-2-98-16,-1-4 27 0,3 1 20 16,-2 0 16-16,1-1 50 0,1 1-30 0</inkml:trace>
-  <inkml:trace contextRef="#ctx0" brushRef="#br0" timeOffset="75356.4">19486 11239 607 0,'0'0'206'0,"0"0"-17"16,0 0-23-16,0 0-8 0,0 0-28 0,0 0 15 16,0 0-20-16,0 0-14 0,0 0-2 15,0 13-3-15,13-13-24 0,-13 0-4 0,0 0 15 16,0 0-24-16,0 0 5 0,0 0-11 16,0 0-16-16,0 0-1 0,0 0-5 0,0 0 6 15,0 0-20-15,0 0 14 0,0 0-5 16,0 0-12-16,0 0 0 0,0 0 1 0,0 0-15 15,0 0 0-15,0 0 1 0,0 0 8 0,0 0-12 16,0 0 0-16,0 0 1 0,0 0 12 0,0 0-13 16,0 0-6-16,0 0 8 15,0 0 10-15,0 0-17 0,0 0-3 0,0 0 13 16,0 0 2-16,0 0-13 0,0 0-3 0,0 0 14 16,0 0-12-16,0 0 16 0,0 0-27 0,0 0 22 15,0 0-2-15,0 0-6 0,0 0-9 16,0 0 15-16,0 0 4 0,0 0-14 0,0 0-6 15,0 0 5-15,0 0 6 0,0 0 7 16,0 0-15-16,0 0 1 0,0 0-4 0,0 0 4 16,0 0-1-16,0 0 4 0,0 0-7 0,0 0 13 15,0 0-12-15,0 0 6 0,0 0 9 0,0 0-2 16,0 0-12-16,0 0 2 0,0 0-1 0,0 0 11 16,0 0-8-16,0 0-2 0,0 0-1 15,0 0 7-15,0 0-8 0,0 0 6 0,0 0-7 16,0 0 21-16,0 0-7 0,0 0-8 15,0 0-7-15,0 0 8 0,0 0 1 0,0 0-1 16,0 0 8-16,0 0-12 0,0 0-11 0,0 12 13 16,0-12-6-16,0 0-2 0,0 0 5 15,0 0 7-15,0 0 8 0,0 0-15 16,0 0 11-16,0 0-4 0,0 0-1 0,0 0-11 16,0 0 21-16,0 0-13 0,0 0-4 0,0 0 8 15,0 0-16-15,0 0 15 0,0 0 7 0,0 0-17 16,0 0 13-16,0 0-6 0,0 0 11 15,0 0-10-15,0 0 11 0,0 0-14 0,0 0-4 16,0 0 2-16,0 13 13 0,0-13-5 0,0 0-9 16,0 0 3-16,0 0-4 0,0 0 20 15,0 0-11-15,0 0 1 0,0 0-8 0,0 0-8 16,0 0 28-16,0 0-25 0,0 0 5 16,0 0 20-16,0 0-12 0,0 0-7 15,0 0 0-15,0 0 4 0,0 0 2 0,0 0-5 16,0 0-3-16,0 0 7 0,0 0-8 0,0 0 17 15,0 0-4-15,0 0-6 0,0 0-6 0,0 0-3 16,0 0 7-16,0 0 15 0,0 0-6 0,0 0 1 16,0 0-13-16,0 0 5 0,0 0-12 15,0 0 6-15,0 0 12 0,0 0-9 0,0 0 5 16,0 0 1-16,0 0-25 0,0 0-27 16,0 0-28-16,0 0-20 0,0 0 10 0,0 0-215 15,0 0-79-15,-22 21 2 0,17-21 44 16,-2 0 17-16,2 0 35 0,-3-2 5 15</inkml:trace>
+  <inkml:trace contextRef="#ctx0" brushRef="#br0" timeOffset="75356.39">19486 11239 607 0,'0'0'206'0,"0"0"-17"16,0 0-23-16,0 0-8 0,0 0-28 0,0 0 15 16,0 0-20-16,0 0-14 0,0 0-2 15,0 13-3-15,13-13-24 0,-13 0-4 0,0 0 15 16,0 0-24-16,0 0 5 0,0 0-11 16,0 0-16-16,0 0-1 0,0 0-5 0,0 0 6 15,0 0-20-15,0 0 14 0,0 0-5 16,0 0-12-16,0 0 0 0,0 0 1 0,0 0-15 15,0 0 0-15,0 0 1 0,0 0 8 0,0 0-12 16,0 0 0-16,0 0 1 0,0 0 12 0,0 0-13 16,0 0-6-16,0 0 8 15,0 0 10-15,0 0-17 0,0 0-3 0,0 0 13 16,0 0 2-16,0 0-13 0,0 0-3 0,0 0 14 16,0 0-12-16,0 0 16 0,0 0-27 0,0 0 22 15,0 0-2-15,0 0-6 0,0 0-9 16,0 0 15-16,0 0 4 0,0 0-14 0,0 0-6 15,0 0 5-15,0 0 6 0,0 0 7 16,0 0-15-16,0 0 1 0,0 0-4 0,0 0 4 16,0 0-1-16,0 0 4 0,0 0-7 0,0 0 13 15,0 0-12-15,0 0 6 0,0 0 9 0,0 0-2 16,0 0-12-16,0 0 2 0,0 0-1 0,0 0 11 16,0 0-8-16,0 0-2 0,0 0-1 15,0 0 7-15,0 0-8 0,0 0 6 0,0 0-7 16,0 0 21-16,0 0-7 0,0 0-8 15,0 0-7-15,0 0 8 0,0 0 1 0,0 0-1 16,0 0 8-16,0 0-12 0,0 0-11 0,0 12 13 16,0-12-6-16,0 0-2 0,0 0 5 15,0 0 7-15,0 0 8 0,0 0-15 16,0 0 11-16,0 0-4 0,0 0-1 0,0 0-11 16,0 0 21-16,0 0-13 0,0 0-4 0,0 0 8 15,0 0-16-15,0 0 15 0,0 0 7 0,0 0-17 16,0 0 13-16,0 0-6 0,0 0 11 15,0 0-10-15,0 0 11 0,0 0-14 0,0 0-4 16,0 0 2-16,0 13 13 0,0-13-5 0,0 0-9 16,0 0 3-16,0 0-4 0,0 0 20 15,0 0-11-15,0 0 1 0,0 0-8 0,0 0-8 16,0 0 28-16,0 0-25 0,0 0 5 16,0 0 20-16,0 0-12 0,0 0-7 15,0 0 0-15,0 0 4 0,0 0 2 0,0 0-5 16,0 0-3-16,0 0 7 0,0 0-8 0,0 0 17 15,0 0-4-15,0 0-6 0,0 0-6 0,0 0-3 16,0 0 7-16,0 0 15 0,0 0-6 0,0 0 1 16,0 0-13-16,0 0 5 0,0 0-12 15,0 0 6-15,0 0 12 0,0 0-9 0,0 0 5 16,0 0 1-16,0 0-25 0,0 0-27 16,0 0-28-16,0 0-20 0,0 0 10 0,0 0-215 15,0 0-79-15,-22 21 2 0,17-21 44 16,-2 0 17-16,2 0 35 0,-3-2 5 15</inkml:trace>
   <inkml:trace contextRef="#ctx0" brushRef="#br0" timeOffset="85831.66">5375 11318 296 0,'0'0'251'16,"0"0"-56"-16,14-14-26 0,-14 14-16 0,0 0-14 16,0 0-32-16,0 0 0 0,0 0-9 0,27-19-39 15,-25 19 5-15,2-1-13 0,-1 1-24 16,1 1-25-16,0-1-9 0,3 0 1 0,0 1-151 16,2-1-173-16,16 9 29 0,-5-3 7 0,1-3-12 15</inkml:trace>
   <inkml:trace contextRef="#ctx0" brushRef="#br0" timeOffset="97030.38">25582 10239 370 0,'13'0'284'0,"-13"0"-23"15,0-15-21-15,0 15-27 0,21-23 20 16,-21 19-36-16,1-1-3 0,0 0 7 0,0-1-16 16,-1 1-22-16,0 0-2 0,0-1-2 0,0 6-47 15,0 0 7-15,0-7-4 0,0-1-3 0,0 8-34 16,-12-23 13-16,3 11-18 0,3 4-7 16,-4-1 25-16,1 0-9 0,2 4-9 0,-7-3-7 15,-2 4-24-15,0 0-2 0,2 3-5 16,2-1-4-16,3 2 21 0,-5 0-5 0,0 0-21 15,-17 16-3-15,14-5 10 0,-2-2-9 16,2 8 1-16,2-2 6 0,2 1-14 0,-1 3-1 16,3-3-2-16,2 1 24 0,2 1-4 0,0-1-2 15,4-5-21-15,0 4 19 0,3-3-3 16,0-8-2-16,0 2 3 0,0-7-22 0,10 17 17 16,-4-14-9-16,6 4 4 0,-2-5-3 0,0 0-17 15,-10-2 15-15,9 0-21 0,-1 0 25 16,15-12-10-16,-11 3-7 0,5-1 27 0,-4 0-25 15,0-2 8-15,-3 1-6 0,1-3 11 0,-1 1-27 16,-1-1 16-16,0 3-5 0,-2 0 7 16,-1-1-6-16,-1 3 0 0,-2 1-10 0,-1 2 10 15,0 2-20-15,0-1 24 0,0 2 11 0,-1 0-14 16,-1 0-5-16,3 2 7 0,-2-2 9 16,0 2-19-16,0-1-5 0,0 1 31 0,0-1-10 15,0 1-9-15,0 0-2 0,0 0 11 0,-1 1-16 16,1 0 7-16,-1 0-7 0,0 0 8 0,0 0 11 15,2 9 5-15,0-3-6 0,-1-1 10 16,1 1 8-16,2 11-2 0,-1-2-13 0,3 2 10 16,-3-1-2-16,1-5 3 0,-1 5-11 0,3 2 4 15,-3-9 2-15,0 1-6 0,1-3-2 0,5 3-10 16,-3 0 9-16,-3-5 10 0,4-1-13 16,-2 0 8-16,1-1 12 0,0-2-18 0,0-1 4 15,-6 0 4-15,6 0-7 0,1 0-6 16,4 0 5-16,13-19-5 0,-11 9 5 0,-1 0-3 15,2-3-5-15,-3-1 4 0,1-4-1 16,-1 2 7-16,-2-2-14 0,1 4 2 0,-2-4-10 16,0 0 14-16,-2 2-13 0,-1-2-4 0,1 0 7 15,-4 1-10-15,0 0-7 0,-1-2 28 0,2 4-8 16,-3 5-3-16,0-1-6 0,0 1-7 16,0 0 10-16,-12-16 1 0,6 15-9 0,1-2 15 15,-1-2-2-15,0 5 3 0,-3-2-2 0,0 1-3 16,2 2 4-16,-3 0-13 0,-2 0 6 15,0 1 3-15,-2-1 2 0,0 1 13 0,-4 2-8 16,1 0-5-16,-1 3-7 0,1 1 15 16,-4-1-12-16,0 1 8 0,1 2-10 0,8 0 23 15,-2 0-17-15,-5 0-2 0,0 0-9 0,-19 13 19 16,18-9-11-16,1 4 9 0,-2-1 1 0,3 0-6 16,-3 0 1-16,2 1 1 0,1 1 4 15,-2-1-15-15,2 6 8 0,1-3 16 0,-2 0-17 16,3 1-8-16,-2 2 19 0,2 0-17 0,-3 1 8 15,1 2 8-15,2-2 6 0,-2 0-8 16,4 3 2-16,-2-3 4 0,2 3-2 16,0-2-5-16,3 1 16 0,0 4 8 0,-1-3-6 15,2 0 6-15,1 1-3 0,-2 0 1 0,4 2-2 16,0-2 2-16,1 3 2 0,2 0 7 16,0-3-10-16,3 1 4 0,1-1 6 0,0-12-4 15,0 5-1-15,0 4 4 0,16 18-6 16,-8-18-3-16,0 0 2 0,3-1 0 0,-2-2-6 15,1 0 12-15,3 0-6 0,0-1-5 16,1 0-6-16,1 0 4 0,-1-1 6 0,1 0 5 16,1-1-5-16,1-1-9 0,0 1 22 15,0-3-15-15,3-2 6 0,-2 1-5 0,2 1-4 16,1-3-3-16,1 2 0 0,-2-4-2 16,2 0 7-16,1-2-9 0,1 0 13 0,-12 0-18 15,7 0-4-15,2 0 7 0,27-13 11 16,-22 7-4-16,-1 0-3 0,-2 2-17 0,1-4 17 15,0 1-10-15,0-3 0 0,-2 2-5 0,0-1 17 16,-1-2-16-16,0 1 5 0,1 0-9 16,-1-2 21-16,-1 3-17 0,-2-1 8 0,2-3-10 15,-4 4-15-15,1-1 1 0,-2 0 2 0,-1-2-9 16,-1 1-13-16,-3 5-4 0,-1-3-15 16,0 1-4-16,-4 2-16 0,0 0-20 15,-1 1-24-15,-2 1 12 0,1 0-56 0,-1 1-24 16,-2 0-26-16,2-1-43 0,-2 0-17 0,0 2 26 15,0 0-232-15,0 2 13 0,0 0 37 16,0 0 38-16,0-8 5 0,0 8 33 0,0-7 55 16,0 7-5-16,21-17 25 0,-3 13 21 15</inkml:trace>
   <inkml:trace contextRef="#ctx0" brushRef="#br0" timeOffset="99812.9">26903 10333 780 0,'0'0'305'0,"0"13"-23"16,0-13-20-16,-25 21-8 0,23-16-20 16,1-3-34-16,-1 1 18 0,0-1-25 0,2 0 45 15,-1-2-25-15,2-1-15 0,1 0-24 0,1-2-25 16,11-6-6-16,-1-3-22 0,4-4-21 16,1 0-3-16,0-3-16 0,4 0 0 0,-1-3-2 15,3-2-21-15,2-3-6 0,1-1-26 16,-2-1-17-16,-1-2 13 0,0-2 2 15,0-1 0-15,-4 3-4 0,-2 2-24 0,-1 0 12 16,-3 4-12-16,-3 1-1 0,-2-2-2 16,-3 8-1-16,-1-3-1 0,-2 4 3 0,-3 11 2 15,0-2 0-15,0 0-38 0,-15-1 11 0,10 4-12 16,1 3 32-16,-2 2-11 0,-1 0 17 16,-7 7-26-16,0 4 33 0,0 2 0 15,4 4 0-15,-3 4-2 0,2 4 1 0,-2-3 43 16,3 4-4-16,1 1-4 0,-1 4-5 15,5-1 4-15,-2 3 10 0,0-3-2 0,1-2-13 16,0 2 4-16,1-1 13 0,-1-1-11 0,1-4-5 16,2-4-13-16,-1-1 16 0,2-4-7 15,1-6 5-15,1 0-8 0,-1-2 13 0,-1-3 1 16,2-4-3-16,0 0 8 0,0 0-1 16,0 0-15-16,14 7-1 0,-7-8-8 0,11-8 8 15,-2-5-11-15,3 2 5 0,1-3-15 16,-3 1 7-16,4-3-6 0,-3 4 8 0,1 2-7 15,-3 1-4-15,-2 2 7 0,-1 1-13 0,-3 2-1 16,-1 4-1-16,-9 1 2 0,7 0 7 16,0 0-3-16,11 20 8 0,-10-9 0 0,3 2 15 15,-2-1 1-15,0 1-8 0,1 1 21 0,1-2 0 16,-1-2-3-16,1 1 4 0,0 0 15 16,-3-1-16-16,5-3 6 0,-3-2-10 0,4 2 12 15,-2-4-21-15,-1 0-2 0,2-3 15 16,-13 0-22-16,14 0-24 0,3 0-26 0,16-15-30 15,-16 8-26-15,0-1-20 0,1-1 12 16,-1 1-75-16,1-2-31 0,-2 2-28 0,-2-2-32 16,-2 4 26-16,-4-1-222 0,-3 2-23 0,0 2 40 15,-3 2 27-15,-1 0 31 0,-1 1 17 16,0 0 34-16,-7-2-23 0,2 4 68 0,-2-1 13 16</inkml:trace>
@@ -330,10 +330,10 @@
   <inkml:trace contextRef="#ctx0" brushRef="#br0" timeOffset="133936.37">29224 8482 616 0,'0'0'211'16,"0"0"-30"-16,0 0-6 0,0 0-21 0,0 0-23 16,0 0-4-16,0 0-8 0,0 0 4 0,13 0-45 15,-13 0 4-15,0 0 3 0,0 0-2 0,0 0-31 16,0 0-2-16,0 0 0 0,0 0 9 0,0 0-18 15,0 0-5-15,0 0-3 0,0 0-6 16,0 0-5-16,0 0-15 0,0 0-7 0,0 0-16 16,0 0-15-16,0 0-33 0,0 0-21 15,0 0 8-15,0 0-188 0,0 0-89 0,0 0 23 16,0 0 57-16,0 0-5 0,0 0 4 0</inkml:trace>
   <inkml:trace contextRef="#ctx0" brushRef="#br0" timeOffset="134428.2">29305 8370 416 0,'1'1'144'0,"0"-1"-5"0,0 0-4 0,-1 0-6 15,0 0-20-15,3 0-6 0,-3 2-22 0,2-2-15 16,-1 0 2-16,-1 0-12 0,2 0-38 16,-2-2-3-16,1 2 13 0,0 0-2 0,1 0-100 15,-1-1-91-15,0 1-99 0,0-1-30 16,0 0 28-16</inkml:trace>
   <inkml:trace contextRef="#ctx0" brushRef="#br0" timeOffset="136404.51">29590 9035 516 0,'0'0'261'0,"0"0"-28"0,0 0-26 16,0 0-9-16,0 0 9 0,0 0-26 0,0 0-28 15,0 0-3-15,0 0 13 0,0 0-26 0,0 0-6 16,0 0-2-16,0 0-13 0,0 0-2 16,0 0-12-16,0 0-16 0,0 0-4 15,0 0 1-15,0 0-10 0,0 0-2 0,0 0-16 16,0 0 1-16,0 0 3 0,-7 16-7 0,2-14-31 16,1 2 5-16,-5 9 32 0,3-4-23 0,2-1 12 15,-4 5-4-15,3-4-6 0,4 0-23 16,-2-1 15-16,1-5-10 0,2 3 22 0,0-3-5 15,-2-1 30-15,2 2-18 0,0-1 9 16,0-3 12-16,0 0-34 0,0 0 0 0,10 1 13 16,-5-4 6-16,0 1-23 0,-1-1-19 0,5-6 30 15,0-3-16-15,-4 4 13 0,0-2-16 16,-1 2-7-16,-2 1 5 0,-1 0-10 0,1 1 4 16,-1 2 7-16,2 0-22 0,-3-1 9 0,0 5-5 15,0 0 2-15,0 0 7 0,0 0-5 16,0 0-16-16,0 0 4 0,-11-9 9 0,6 11 1 15,1-2-2-15,1 0-10 0,1 4 12 0,0-1-4 16,0-2 10-16,2 3 2 0,-2-4-16 16,2 3 8-16,-2-1-6 0,1 1-15 0,0-3 31 15,2 2-9-15,-1 1 9 0,1-2-13 0,-1 0 2 16,1 1 0-16,1-2 11 0,-1 0 2 0,1 0-11 16,0-2 24-16,0 1-20 0,-1 0 6 0,1-2-10 15,0-1-1-15,0 1 15 0,-1-2-15 16,0 2 1-16,0-1 2 0,-1-1-4 15,0 0 4-15,0 2-5 0,0-1 8 0,0 1-12 16,-1 2 3-16,0 0-3 0,1 1-6 0,-7-2-11 16,6 4 20-16,-3-1-5 0,1 0 2 15,0-1-6-15,0 3 7 0,-1-1-11 0,2 0 9 16,-1 1 1-16,2 1 8 0,0-1-25 0,-2 0 24 16,3-2-8-16,0 2-1 0,0-2-10 15,-2 3-8-15,2-4-15 0,2 4 4 0,-2-2-69 16,0 0-48-16,-2 0-18 0,2 0-41 15,-2 0-25-15,2-2 20 0,-1 0-267 0,1-1 37 16,0 1-3-16,0-1 58 0,0-3 48 0,3 4 12 16,2-1 29-16,0 2 25 0,17-3 11 0</inkml:trace>
-  <inkml:trace contextRef="#ctx0" brushRef="#br0" timeOffset="138566.38">30109 7899 504 0,'0'-13'222'0,"0"13"-24"0,0 0-27 15,0 0-16-15,0 0-42 0,0 0-1 0,0 0 12 16,0 0 3-16,0 0-4 0,0 0 10 0,0 0-8 16,0 0-8-16,9 13 16 0,-9-4 8 0,5 23-6 15,-4-8-3-15,1 2-2 0,1 2-28 16,0 0-6-16,-3 0 20 0,2 1-26 0,2-1 10 15,-2 1-4-15,1-2-44 0,-1-4 24 16,-2-13-9-16,0 6-9 0,0 1 4 0,0-2-8 16,0 0-5-16,0 0-12 0,0-4-16 0,0-2 21 15,0-1 0-15,0-8-6 0,0 7 33 16,0-7-9-16,0 0 17 0,0 0-26 0,0 6-9 16,2 0 8-16,-2-7-17 0,0-3 0 0,0 0-9 15,0 0-11-15,0-1 8 0,2-2 3 16,-1 2-20-16,1-3 16 0,4-6-1 0,-1 4-19 15,-1 3-1-15,1 1 18 0,0 1-22 0,1 2-4 16,-1 3 2-16,2-1 33 0,-7 1-38 16,11 0 0-16,1 0 18 0,15 16 9 0,-12-7-1 15,-4-1-17-15,5 2 18 0,-8 1-25 16,1-4 26-16,-5 0-9 0,2 0 5 0,-2 1 11 16,-3-3-18-16,0 1 5 0,0 0 7 0,-1-2 6 15,0-4-28-15,0 0 24 0,0 6 1 16,-15 11-17-16,3-9 13 0,0 2-1 0,-4-4-1 15,1 1-14-15,-4-2-1 0,9-1-37 0,-2-1-67 16,1-3-17-16,11 0-38 0,-11 0-55 16,3 0 18-16,2 0-216 0,6 0-39 0,0 0 28 15,-7 0 33-15,1 2 10 0,8 0 53 16,2-1 8-16,1 3 12 0,8 5 21 0,3 0-9 16</inkml:trace>
+  <inkml:trace contextRef="#ctx0" brushRef="#br0" timeOffset="138566.37">30109 7899 504 0,'0'-13'222'0,"0"13"-24"0,0 0-27 15,0 0-16-15,0 0-42 0,0 0-1 0,0 0 12 16,0 0 3-16,0 0-4 0,0 0 10 0,0 0-8 16,0 0-8-16,9 13 16 0,-9-4 8 0,5 23-6 15,-4-8-3-15,1 2-2 0,1 2-28 16,0 0-6-16,-3 0 20 0,2 1-26 0,2-1 10 15,-2 1-4-15,1-2-44 0,-1-4 24 16,-2-13-9-16,0 6-9 0,0 1 4 0,0-2-8 16,0 0-5-16,0 0-12 0,0-4-16 0,0-2 21 15,0-1 0-15,0-8-6 0,0 7 33 16,0-7-9-16,0 0 17 0,0 0-26 0,0 6-9 16,2 0 8-16,-2-7-17 0,0-3 0 0,0 0-9 15,0 0-11-15,0-1 8 0,2-2 3 16,-1 2-20-16,1-3 16 0,4-6-1 0,-1 4-19 15,-1 3-1-15,1 1 18 0,0 1-22 0,1 2-4 16,-1 3 2-16,2-1 33 0,-7 1-38 16,11 0 0-16,1 0 18 0,15 16 9 0,-12-7-1 15,-4-1-17-15,5 2 18 0,-8 1-25 16,1-4 26-16,-5 0-9 0,2 0 5 0,-2 1 11 16,-3-3-18-16,0 1 5 0,0 0 7 0,-1-2 6 15,0-4-28-15,0 0 24 0,0 6 1 16,-15 11-17-16,3-9 13 0,0 2-1 0,-4-4-1 15,1 1-14-15,-4-2-1 0,9-1-37 0,-2-1-67 16,1-3-17-16,11 0-38 0,-11 0-55 16,3 0 18-16,2 0-216 0,6 0-39 0,0 0 28 15,-7 0 33-15,1 2 10 0,8 0 53 16,2-1 8-16,1 3 12 0,8 5 21 0,3 0-9 16</inkml:trace>
   <inkml:trace contextRef="#ctx0" brushRef="#br0" timeOffset="139249.31">30305 9211 568 0,'1'-5'422'0,"1"2"33"0,-2 3-34 16,0 0-58-16,0 0-41 0,6-12-43 0,-4 13 2 16,0 1-35-16,0 3-1 0,5 11-15 0,-5 1-36 15,-2-7-12-15,0 7-28 0,-13 24-2 16,-3-17-9-16,-5-2-58 0,-5 1-101 0,-5 5 2 16,-10-6-157-16,-1 4-105 0,-2 1 25 0,2-1-220 15,2-3-1-15,0 5 59 0,3-5 31 16,1-5 22-16,0 7 41 0,2-1 32 0,1-3-10 15,2 1 22-15,3-3-18 0</inkml:trace>
   <inkml:trace contextRef="#ctx0" brushRef="#br0" timeOffset="142948.75">29388 9206 437 0,'0'0'201'0,"0"0"-4"16,0 0-41-16,0 0-15 0,0 0-15 0,0 0-4 16,0 0-2-16,0 0-15 0,0 0-33 0,0 0 8 15,0 0-18-15,0 0-30 0,0 0-38 16,0 0 2-16,0 0-122 0,0 0-167 0,0 0-10 16,0 0 16-16,0 12 15 0</inkml:trace>
-  <inkml:trace contextRef="#ctx0" brushRef="#br0" timeOffset="144458.38">7803 11165 610 0,'0'0'170'0,"0"0"26"0,0 0-18 16,0 0-16-16,0 0-14 0,0 0 0 0,0 0-42 15,0 0-2-15,0 0-11 0,0 0-6 16,0 0-17-16,0 0 3 0,0 0-15 0,0 13 10 16,0-13-26-16,0 0-6 0,0 0-10 15,0 0-7-15,0 0-33 0,0 0-2 0,0 0-20 16,0 0-49-16,0 0 7 0,0 0-96 16,0 0-79-16,0 0-87 0,0 0-10 0,0 0 69 0,0 0 0 15</inkml:trace>
+  <inkml:trace contextRef="#ctx0" brushRef="#br0" timeOffset="144458.37">7803 11165 610 0,'0'0'170'0,"0"0"26"0,0 0-18 16,0 0-16-16,0 0-14 0,0 0 0 0,0 0-42 15,0 0-2-15,0 0-11 0,0 0-6 16,0 0-17-16,0 0 3 0,0 0-15 0,0 13 10 16,0-13-26-16,0 0-6 0,0 0-10 15,0 0-7-15,0 0-33 0,0 0-2 0,0 0-20 16,0 0-49-16,0 0 7 0,0 0-96 16,0 0-79-16,0 0-87 0,0 0-10 0,0 0 69 0,0 0 0 15</inkml:trace>
   <inkml:trace contextRef="#ctx0" brushRef="#br0" timeOffset="151516.74">8379 11051 433 0,'0'0'314'0,"0"0"-38"0,0 0-23 16,0-14-14-16,0 14-22 0,0 0-49 16,0 0 4-16,0 0 4 0,-10-24-20 0,28 18-14 15,4 0-3-15,8 1 8 0,4 2-9 0,0-1-24 16,5 1 11-16,7 2-13 0,2 1 1 16,2-2-20-16,2 0-5 0,0-2-12 0,0 1 16 15,4 1-11-15,-1 1-25 0,0-1-5 16,-2 2 11-16,-3 0-6 0,1 0-7 0,-26 0 12 15,12 0-21-15,6 0-9 0,1 0-7 16,-3 0 1-16,-1 0 2 0,-3 0 4 0,34 10-2 16,-40-8-4-16,-7 1-20 0,-1-1 7 0,-16-2-1 15,3 0-6-15,0 0 9 0,-2 0 3 0,0 0-2 16,-2 0-27-16,-6 0-10 0,0 0 4 16,0 0 0-16,13 7-28 0,-16-6-30 0,-2-1-9 15,1 1-22-15,-3-2-27 0,-11 1-5 0,4-1-36 16,7 1 14-16,-9 0-153 0,-22-8-114 15,13 1-3-15,-2 1 53 0,2 0 24 0,-2 0 11 16,-1-1 25-16,0 1 21 0,-3 2-15 0</inkml:trace>
   <inkml:trace contextRef="#ctx0" brushRef="#br0" timeOffset="151891.25">8360 10940 486 0,'-18'-1'309'0,"2"2"-20"16,8-1-26-16,-1-1-13 0,9 1-25 16,0 0-16-16,-8 0-28 0,8 0-21 0,-5-9-9 15,9 7 4-15,2 0-1 0,14-1-15 0,6 0 0 16,4 0-18-16,1 0 24 0,9 1-25 16,9 1 6-16,6 1 13 0,5 0-22 0,-28 0 12 15,17 0-14-15,9 0-6 0,6 0-13 16,72 14-2-16,-65-11-15 0,3 1 2 0,-2 1-13 15,-3-2-3-15,0 3-15 0,-7-1-7 0,-3-1 5 16,-4 1-17-16,-6 0 3 0,-3-1-6 0,-8-1 6 16,-3 2-1-16,-5-1-21 0,-1-3 3 0,-5 2 8 15,-1 1-16-15,-7-1-3 0,-4-2 3 16,-4 3-7-16,-3-2-11 0,-4-2-22 0,-1 0-19 16,0 0 4-16,0 0-56 0,-14 2-31 0,6-2-17 15,-15 0-39-15,10 0-18 0,-8 0 20 16,-3 0-155-16,-30-16-87 0,19 10-6 0,-2 2 20 15,-1-3 24-15,-4 0 45 0,-3 0 25 0,-2-3 45 16,-2 1-2-16,-1-2-12 0</inkml:trace>
   <inkml:trace contextRef="#ctx0" brushRef="#br0" timeOffset="152208.24">8656 10830 274 0,'-18'-1'294'0,"7"1"-36"0,3 0-39 16,0 1-6-16,4 0 11 0,4-1-5 15,0 0-9-15,0 0-4 0,-2 8-19 0,17-1 11 16,5-2-20-16,6 2-4 0,8 0-20 16,4-3-18-16,5 1 52 0,5 0-36 0,6-2-6 15,-1 2-3-15,2 0-20 0,4 2-14 0,0-1-5 16,1 0-11-16,1 0-20 0,-3-2-4 0,0 3 15 16,-4-4-28-16,-5 4 2 0,-1-2-20 15,-4-2 5-15,-1 2-3 0,-5-2 8 0,-4-2-15 16,0 4 13-16,0-5-23 0,-9 3-5 0,-4-2-1 15,-7-1 3-15,-1 1-25 0,-4 2-2 0,-2-3-20 16,-7 0 1-16,0 0-53 0,0 0-32 16,8 0-22-16,-3-5-26 0,-7 3-17 15,-1 1-21-15,-2-2-31 0,0 1 20 0,-8-4-237 16,-1 3 34-16,0-3 13 0,-5-1 31 0,4-2 11 16,0 2 18-16,-4-3 30 0,1 0 37 15</inkml:trace>
@@ -406,7 +406,7 @@
   <inkml:trace contextRef="#ctx0" brushRef="#br0" timeOffset="8598.81">7391 791 843 0,'5'-8'306'15,"-10"5"2"-15,4 1-18 0,0 0 5 0,-2 11-38 16,-1 4 46-16,1 4-5 0,-1 3-26 15,1 8-7-15,2 0 9 0,1-13-31 16,0 8-8-16,0 6-19 0,0 2-13 0,15 33-22 16,-8-32-22-16,-4-2-33 0,2-2 6 0,-2-3-16 15,-2-4-6-15,-1-6-31 0,1-3-18 16,0-2-33-16,-1-3-29 0,2 0-24 0,-2-2-25 16,1 0-15-16,0 1 7 0,2-5-138 15,-5-3-54-15,2-8-23 0,4 0 25 0,-5-2-243 16,5-2-21-16,6-3 43 0,-5-5 36 0,-2 0 25 15,1-1 37-15,-1-4 24 0,-3 14 23 0,0-4-4 16,0-6 5-16</inkml:trace>
   <inkml:trace contextRef="#ctx0" brushRef="#br0" timeOffset="8885.08">7424 824 575 0,'-3'-15'402'0,"2"8"-58"0,1 0-16 15,1-1-18-15,2-1-40 0,-1 1-14 16,1 0-1-16,2 2-13 0,6 2-25 0,-3 0-4 15,2 1-9-15,3 2-24 0,-1-1-8 16,5 0-21-16,0 6-2 0,0 4-21 0,1 4 4 16,1 0-11-16,-4-3-10 0,0 9-5 0,-4-1-13 15,-1 1-2-15,-2-2-17 0,-3 1 4 16,-4-1-7-16,-1-9-11 0,0 5-9 0,0 0-5 16,-17 11-1-16,9-12-25 0,-6-4-2 15,3 3-22-15,0-5-15 0,-4-2-10 0,2 1-51 16,-1 0 7-16,7-4-54 0,-2 0-45 0,-16-9-46 15,12 3-19-15,0-4-15 0,7-2 24 0,-1-3-228 16,3-3-24-16,3-1 56 0,-2-5 16 16,10-2 29-16,1-3 24 0,3-5 24 0,-6 2-28 15,8-2 7-15,3 1 54 0</inkml:trace>
   <inkml:trace contextRef="#ctx0" brushRef="#br0" timeOffset="9131.74">7645 465 519 0,'7'-5'369'0,"0"1"-27"0,1 1-46 0,-5 2-20 15,6 1-8-15,-1 1-33 0,2 6 54 16,-1 1-14-16,1 2-14 0,1 5-21 0,2 8-8 16,-6-2-17-16,-1 9-11 0,0-5-2 0,-1 4-18 15,-2 2-8-15,-2-2-35 0,1 6 3 0,0 0-24 16,-1-2 5-16,4-4-34 0,-2-2 2 16,0-4-19-16,1-1 8 0,0-4-26 15,0-6-22-15,-2 1-32 0,0-1-29 0,0-7-14 16,-1 2-45-16,4-2 8 0,2-4-119 0,-7-1-45 15,0 0-66-15,15-14 29 0,-2 10-264 16,-7-6 59-16,-1 1 36 0,-1-1 32 0,0-1 25 16,1 2 17-16,1-1 14 0,-6 10 20 0,0-11 11 15,0 1 18-15</inkml:trace>
-  <inkml:trace contextRef="#ctx0" brushRef="#br0" timeOffset="9554.37">7752 776 269 0,'-2'-3'433'15,"1"-1"-13"-15,2-3-49 0,0 0-46 0,2 1-11 16,3 1-39-16,0 2-15 0,3-6-15 0,3 2-27 16,1-2-14-16,1 1-27 0,4 2-33 15,1 5-2-15,-2-2-2 0,0 3-21 0,1 3-5 16,1 4-11-16,-2 4-2 0,-2 2-13 0,-3-1 8 16,-3-3-1-16,-3 9-9 0,4 2-17 15,-4 1 8-15,0 1-9 0,-4-1 2 0,5 0-9 16,-7-3-5-16,2 2-3 0,3-5-7 0,0 0 0 15,-2-1 2-15,0-3-6 0,0-1-4 16,2-4 9-16,1 2-6 0,0-3-6 0,2-5-7 16,5 0-15-16,-6 0 12 0,3 0-2 0,16-14-2 15,-7 7 3-15,-2-3-12 0,-1-2-9 0,2-2-21 16,-2-1-5-16,-1-1-4 0,-1 0 0 16,-2-2 2-16,-5 0-5 0,1-1 14 0,1 0-4 15,-5 4 2-15,-4 5-5 0,0-1 4 16,0-3-4-16,-12-12 9 0,2 13 4 15,-2 4 0-15,-3 2-4 0,-3 0-16 0,1 3 22 0,-3-1 6 16,0 2-13-16,-1 0-23 0,1 3 16 16,-3 1-23-16,5 3-15 0,8-4 5 0,-13 5-109 15,8 0-41-15,4-4-46 0,4 0 25 0,7-1-197 16,-7 0 32-16,5 10-102 0,7-6 35 16,8 3 43-16,7-4 27 0,4 3 24 0,2 9 40 15,9-4 13-15,3 1 4 0</inkml:trace>
+  <inkml:trace contextRef="#ctx0" brushRef="#br0" timeOffset="9554.36">7752 776 269 0,'-2'-3'433'15,"1"-1"-13"-15,2-3-49 0,0 0-46 0,2 1-11 16,3 1-39-16,0 2-15 0,3-6-15 0,3 2-27 16,1-2-14-16,1 1-27 0,4 2-33 15,1 5-2-15,-2-2-2 0,0 3-21 0,1 3-5 16,1 4-11-16,-2 4-2 0,-2 2-13 0,-3-1 8 16,-3-3-1-16,-3 9-9 0,4 2-17 15,-4 1 8-15,0 1-9 0,-4-1 2 0,5 0-9 16,-7-3-5-16,2 2-3 0,3-5-7 0,0 0 0 15,-2-1 2-15,0-3-6 0,0-1-4 16,2-4 9-16,1 2-6 0,0-3-6 0,2-5-7 16,5 0-15-16,-6 0 12 0,3 0-2 0,16-14-2 15,-7 7 3-15,-2-3-12 0,-1-2-9 0,2-2-21 16,-2-1-5-16,-1-1-4 0,-1 0 0 16,-2-2 2-16,-5 0-5 0,1-1 14 0,1 0-4 15,-5 4 2-15,-4 5-5 0,0-1 4 16,0-3-4-16,-12-12 9 0,2 13 4 15,-2 4 0-15,-3 2-4 0,-3 0-16 0,1 3 22 0,-3-1 6 16,0 2-13-16,-1 0-23 0,1 3 16 16,-3 1-23-16,5 3-15 0,8-4 5 0,-13 5-109 15,8 0-41-15,4-4-46 0,4 0 25 0,7-1-197 16,-7 0 32-16,5 10-102 0,7-6 35 16,8 3 43-16,7-4 27 0,4 3 24 0,2 9 40 15,9-4 13-15,3 1 4 0</inkml:trace>
   <inkml:trace contextRef="#ctx0" brushRef="#br0" timeOffset="10098.34">8602 817 430 0,'7'-12'413'0,"-2"-1"-57"0,-3-2-25 16,-3 5-40-16,-2-2 45 0,0 3-15 0,-6-2 5 16,3-1-29-16,-2 7-20 0,-3 2-23 15,-1 1-29-15,-2 7-18 0,-5-1-17 0,-1 8-20 16,0 5-14-16,-1 2-10 0,4 2-23 15,0 4-12-15,2-5-7 0,6 2-7 0,-3-3-14 16,5-2 5-16,1 3-28 0,4-4 10 0,2-2-20 16,0-7 15-16,0 1-25 0,14 11 0 0,-7-13 10 15,2-1-27-15,3-3 8 0,1-2 1 16,-6 0-11-16,6 0-9 0,16-14-30 16,-12 6 1-16,2-2-4 0,-3-1-6 0,-1 0 10 15,2-5-6-15,-2 4 0 0,0-7 10 0,-2 0-7 16,-2-3 4-16,-3 7 4 0,4 5 5 15,-7 5-15-15,-1-1 8 0,1 0 10 16,-3 1-15-16,0 3 11 0,-3 5 2 0,0 6 1 0,-5 5-9 16,2 3 14-16,-2 5-2 0,2 2 23 15,2 3 4-15,-3 7 3 0,3 0-1 0,0 0 1 16,1 4 14-16,-1 4-8 0,-1-9 11 16,1-8 6-16,-3 3-23 0,0-2 29 0,-6-1-21 15,5-1 15-15,-3-3 0 0,-3-3-11 16,2-3 17-16,0-2-15 0,-3-4-3 0,0-2 40 15,1-3-17-15,1-4 4 0,11 0-12 16,-12 0 0-16,-11-11-6 0,8-1-1 0,0-3-8 16,4-3-5-16,1-1-2 0,2-4-9 0,7-4-3 15,1 12-41-15,12-28-6 0,1 11-29 16,2-5-36-16,5 8-31 0,1-4-32 0,3 10 17 16,2 1-112-16,0 7-30 0,-5-1-17 15,0 4-60-15,0 6 32 0,-4-2-179 0,-3 1-22 16,-4 4 41-16,-2 1 34 0,-1-1 31 0,-7 3 29 15,0 0 25-15,0 0 30 0,5 3 43 16,-4-8 7-16</inkml:trace>
   <inkml:trace contextRef="#ctx0" brushRef="#br0" timeOffset="10445.28">8658 851 957 0,'3'-5'388'0,"-1"-2"-45"15,-1 3-45-15,1 0 55 0,1 0-43 16,1 4-11-16,3 1-39 0,3 2-6 0,4 1-22 15,2 3-20-15,4 4-7 0,-4 1-12 16,3 0-19-16,-1 3-16 0,-1-1-4 0,-3-4-9 16,-1 3-22-16,-2 1-26 0,-2 1 4 0,0-4-20 15,-5-1-16-15,-1-2-2 0,-1-2 1 0,-2-1-17 16,0-2 14-16,0 2-4 0,0-3 4 16,0-2-18-16,-9-2 25 0,1-2-24 0,-2 3 14 15,4-2-11-15,0-6 19 0,1 1-26 16,-1-1-3-16,2-3 6 0,-3-4-1 0,4 5-10 15,3-1 0-15,-1 1-5 0,1 2 2 0,0-2-10 16,16-23-11-16,-7 12-19 0,1 5 6 16,3-1-37-16,-1 1-21 0,3 5-32 0,1 1-27 15,4 4 11-15,2 3-138 0,1 3-32 0,-5 2-62 16,1 9 32-16,-3-2-176 0,4 6 44 16,-2 3 35-16,3-4-36 0,0 1 3 0,-3-4 27 15,1-1 38-15,0 4 19 0,0 0 25 0,-2-1 12 16,-4-3-3-16</inkml:trace>
   <inkml:trace contextRef="#ctx0" brushRef="#br0" timeOffset="10976.71">9215 887 290 0,'-5'-7'412'0,"-1"-2"-66"15,-1 1-23-15,0-4 24 0,-3 5-47 0,2 1 39 16,-3 1-24-16,1 0-7 0,1 3-26 16,5 0-15-16,-3 2-25 0,-6 0-22 0,-17 14-31 15,16-6-7-15,5-1-16 0,-6 5-23 16,3 0-19-16,6-2-8 0,-2 3-19 0,2-4-1 15,4 1-1-15,-2-3-17 0,4 1-5 16,0-8-6-16,0 0-20 0,17 11-10 0,-8-12-3 16,-1 4-3-16,5-5-8 0,-13 2-23 0,15 0-19 15,14-10-17-15,-12 3-3 0,0 0-24 16,-1 0 2-16,1-1 12 0,-1-2 12 0,-2 1-26 16,1-5 28-16,-4 6-2 0,2 3-4 0,-6 3 1 15,0-3 2-15,-7 5 10 0,8 0 4 16,-1 0 6-16,8 12-1 0,-10-6-5 0,4 4 22 15,-3-1-12-15,1-1 16 0,0 0 0 0,1 2 0 16,0 0-3-16,-2-5 1 0,1 4-16 16,-1-6 35-16,0 2-11 0,-2-3 0 0,4-2-3 15,-8 0-5-15,8 0 4 0,11-10 6 0,-9 3 1 16,0 0-1-16,3 0-28 0,-1-2 12 16,3-2 26-16,-3 1-29 0,2-2 12 0,-2 2 8 15,-3 0-10-15,2-1-7 0,-1 3 11 0,-4 4-10 16,-2-2 4-16,1 2-1 0,0 1 3 0,-5 3-13 15,4 10 12-15,-3 1-11 0,-1 5 3 0,1 3 14 16,-1-7 8-16,0 5-10 0,0 6 29 16,0 3-12-16,0 0 3 0,0 6 3 0,4 28-7 15,-4-32 15-15,0-2-15 0,2 1 0 0,-2-16 9 16,0 4-15-16,0-1-16 0,0-2-6 16,0 0-33-16,0-4 6 0,0-1-93 0,-16 10-51 15,11-17-87-15,7 0 28 0,-5-3-290 16,1-4 42-16,-2-5 36 0,6-2 43 0,-2 6-6 15,0-4 49-15,0-5 52 0,0-2 3 16,0-3-19-16,0 1 56 0</inkml:trace>
@@ -418,9 +418,9 @@
   <inkml:trace contextRef="#ctx0" brushRef="#br0" timeOffset="15048.16">4339 1751 442 0,'-7'-7'290'16,"2"0"-30"-16,-1 1-42 0,0 2-28 0,2 0-17 16,0 1-28-16,-1 0-5 0,2 3-5 15,1-1-42-15,-1-1-16 0,-1 2-66 0,2 0-50 16,1 0 4-16,1 0-264 0,0 0 21 16,-2 9 23-16,5-3-82 0,6 6 13 0,3-2-1 15</inkml:trace>
   <inkml:trace contextRef="#ctx0" brushRef="#br0" timeOffset="15502.39">4754 1944 458 0,'5'-2'384'0,"-2"2"-67"16,0-3-23-16,0-1-13 0,-1 1-43 0,-1 1 18 15,-1-3-29-15,-1 1-27 0,1 0-22 0,-2 0 13 16,-1 1-6-16,0 1-18 0,-2 0 4 15,0 1-31-15,-2 0-43 0,1 2-3 16,-10 3 10-16,-1 0-15 0,3 4-13 0,0-2-6 16,1 1 7-16,3 0-29 0,3-2 11 0,1 1-16 15,2-1-1-15,1-1-6 0,1 1 9 16,1 0-21-16,0-3-27 0,1-2 22 0,0 0 2 16,0 0-11-16,11 15 4 0,4-11-19 0,-1 4 18 15,2-2-6-15,3 2 10 0,0-2-23 0,-3 2 6 16,2-2-6-16,0 1 16 0,-1 0-5 15,2 1-1-15,-4-1 0 0,1 0-16 0,-6-2 20 16,-2 0 1-16,-2-1-2 0,0 0-1 16,-4 0-17-16,0-1-5 0,-1-1 13 0,-1 3 0 15,0-5 0-15,0 0 12 0,0 0-11 0,-15 11 17 16,1-5-29-16,-2-2 25 0,-1 2 0 0,-1-2-29 16,-1 1 16-16,0-4-8 0,-4 2 19 0,1-1-1 15,3 1-2-15,-2-2-61 0,2 2-14 16,1-2-23-16,3-1-28 0,4 1-20 0,11-1-38 15,-9 0-34-15,9 0 19 0,-9 0-178 0,9 0-88 16,-8-5 32-16,12 3 30 0,15-4 26 16,4-1-5-16,7-2 21 0,0 1 38 0,8 1 0 15</inkml:trace>
   <inkml:trace contextRef="#ctx0" brushRef="#br0" timeOffset="15951.09">6129 1992 274 0,'19'-9'410'0,"-4"-1"-43"15,-6 0 1-15,1 0-67 0,-5-1-10 0,-2 3-43 16,-2 1-29-16,-1 0 33 0,0 0-34 16,-11-8-20-16,1 9-15 0,3 3-28 0,-2 2-19 15,-2 1-1-15,3 0-14 0,-19 10-17 0,9 0 1 16,2 1-14-16,0 1 4 0,-1 3-18 15,4-2 7-15,0 1-18 0,2 1 12 0,4 2-28 16,1-8 12-16,3 0-17 0,1-1-9 0,1-2-4 16,1-6 6-16,0 0-10 0,0 0 14 0,0 6-23 15,16 2 7-15,-9-6-6 0,10-4-14 16,-8 2 0-16,18-12 9 0,-8 3-13 0,2 0 4 16,-2-1-6-16,-4 0-8 0,2 1 9 15,-5 2 5-15,-1-2-8 0,-2 6 5 0,-2-2 6 16,-2 1-1-16,1 3-16 0,-2 0 8 0,2 0 4 15,-6 1 19-15,8 0-2 0,8 15-17 0,-5-3 19 16,-1-1-23-16,0 2 11 0,0-2 3 16,-1 0 4-16,1 1-10 0,0 0 5 0,-1-5-24 15,0-1-20-15,8 3 3 0,-4-5-93 16,3 1-41-16,-8-5-82 0,2 0-29 0,7 0 25 16,3 0-268-16,1 0 33 0,29-11 34 0,-22 7 32 15,2 0 39-15,-1-3 24 0,1 0 25 0,-1 2 15 16,3-3 15-16</inkml:trace>
-  <inkml:trace contextRef="#ctx0" brushRef="#br0" timeOffset="16516.6">7138 1886 295 0,'13'0'443'0,"-1"7"-40"0,-1 3-51 16,1 0-44-16,-5 4 25 0,0 1-13 0,1 0-15 15,-2 1-32-15,-1 1-13 0,0-2-29 0,-1 1-19 16,0-1-19-16,-2-5-25 0,0-1-17 15,-1-2-12-15,-1-2-19 0,1 1-5 0,0-2 6 16,-1-1-12-16,0 0 10 0,0-1-23 16,0-2-3-16,0 0-7 0,-2 0-7 15,-1-2-11-15,1-1-5 0,0 0-23 0,0-4 10 16,-1-8-23-16,3 1 5 0,0 7-8 0,0-5-8 16,0 3-8-16,0 1-15 0,0-1 2 0,12-4 12 15,-6 8-4-15,0 3-9 0,1-1 3 16,1 3 2-16,12-3 1 0,-11 3 11 0,7 0-15 15,18 10 17-15,-18-2-7 0,3 1 1 0,-1 1 0 16,-2 0-9-16,0-2 12 0,-3 1-4 0,-4-4 1 16,3 2 12-16,-7-1-15 0,-1-2 3 15,-1 0 7-15,-1-1 4 0,1-1-3 0,-3-2 16 16,0 0-11-16,0 0 8 0,-1 3-19 16,0-3-1-16,0-2 16 0,-1-1 2 0,0 0-4 15,-1-1-5-15,2-1 3 0,-2 0-18 16,0-10 13-16,1 1 7 0,2 4-15 0,0 10 13 15,0-9-3-15,0-1-7 0,0 3 0 0,16-13 0 16,-3 8 3-16,1 2-4 0,4 1-9 16,0 1 5-16,2 3-13 0,2 2 10 0,2 2-7 15,-13 1 18-15,6 0 0 0,24 17-20 0,-21-8 16 16,1 3-1-16,-4 0-9 0,-3 1 1 16,-2-1 3-16,-3 2-4 0,-3 1 12 0,-3-2-16 0,-1-3-7 15,-2-1 5-15,0-9-35 0,0 7-42 16,0-7-7-16,0 8-49 0,0-1 15 15,0-7-101-15,0 6-31 0,0-6-42 0,0 0 29 16,0 0-243-16,0 0 4 0,1 12 13 0,4-14 36 16,11-5 32-16,0-3 53 0,-2 0 15 0,1 1 26 15,2 1-17-15,-3-1 3 0</inkml:trace>
+  <inkml:trace contextRef="#ctx0" brushRef="#br0" timeOffset="16516.59">7138 1886 295 0,'13'0'443'0,"-1"7"-40"0,-1 3-51 16,1 0-44-16,-5 4 25 0,0 1-13 0,1 0-15 15,-2 1-32-15,-1 1-13 0,0-2-29 0,-1 1-19 16,0-1-19-16,-2-5-25 0,0-1-17 15,-1-2-12-15,-1-2-19 0,1 1-5 0,0-2 6 16,-1-1-12-16,0 0 10 0,0-1-23 16,0-2-3-16,0 0-7 0,-2 0-7 15,-1-2-11-15,1-1-5 0,0 0-23 0,0-4 10 16,-1-8-23-16,3 1 5 0,0 7-8 0,0-5-8 16,0 3-8-16,0 1-15 0,0-1 2 0,12-4 12 15,-6 8-4-15,0 3-9 0,1-1 3 16,1 3 2-16,12-3 1 0,-11 3 11 0,7 0-15 15,18 10 17-15,-18-2-7 0,3 1 1 0,-1 1 0 16,-2 0-9-16,0-2 12 0,-3 1-4 0,-4-4 1 16,3 2 12-16,-7-1-15 0,-1-2 3 15,-1 0 7-15,-1-1 4 0,1-1-3 0,-3-2 16 16,0 0-11-16,0 0 8 0,-1 3-19 16,0-3-1-16,0-2 16 0,-1-1 2 0,0 0-4 15,-1-1-5-15,2-1 3 0,-2 0-18 16,0-10 13-16,1 1 7 0,2 4-15 0,0 10 13 15,0-9-3-15,0-1-7 0,0 3 0 0,16-13 0 16,-3 8 3-16,1 2-4 0,4 1-9 16,0 1 5-16,2 3-13 0,2 2 10 0,2 2-7 15,-13 1 18-15,6 0 0 0,24 17-20 0,-21-8 16 16,1 3-1-16,-4 0-9 0,-3 1 1 16,-2-1 3-16,-3 2-4 0,-3 1 12 0,-3-2-16 0,-1-3-7 15,-2-1 5-15,0-9-35 0,0 7-42 16,0-7-7-16,0 8-49 0,0-1 15 15,0-7-101-15,0 6-31 0,0-6-42 0,0 0 29 16,0 0-243-16,0 0 4 0,1 12 13 0,4-14 36 16,11-5 32-16,0-3 53 0,-2 0 15 0,1 1 26 15,2 1-17-15,-3-1 3 0</inkml:trace>
   <inkml:trace contextRef="#ctx0" brushRef="#br0" timeOffset="16833.98">7920 2017 400 0,'2'0'344'0,"-2"0"-55"0,2 2-28 16,0-2 13-16,-1 2-24 0,1-1-5 0,0 1 11 15,1-1-31-15,-1 3 54 0,3-3 12 0,0 0-19 16,1 2-15-16,-1-1-18 0,2-2-1 16,11 4-24-16,-3-3-26 0,-7-1-13 0,3 0-17 15,4 0-27-15,1 0-16 0,15-15 3 16,-14 8-22-16,-4 0-20 0,2-3-8 0,-6 0-20 16,1-1-10-16,-3 1-18 0,-2 1-4 15,-2 3-19-15,-1 0-1 0,-2 2-4 0,0 4-13 16,0 0 10-16,0 0-11 0,-12-5 2 15,7 8 0-15,-4 6 13 0,-1 4-4 0,-1 2-7 16,1-4 6-16,2 7 0 0,1-3 5 0,1-1 1 16,3 1-5-16,0-3 11 0,2-1-1 0,1-4 3 15,0-7-14-15,0 7-11 0,0-7-1 16,26 15 2-16,-5-10-107 0,-9-5-44 0,7 0-50 16,4 0-38-16,34-11 25 0,-29 5-201 15,5 1-74-15,-4 0 48 0,-1-1 49 0,4 2 27 16,-4-5 29-16,0 1 12 0,-3-3 17 0,0 2 14 15,-5-2 5-15</inkml:trace>
-  <inkml:trace contextRef="#ctx0" brushRef="#br0" timeOffset="17066.1">8559 1782 389 0,'-2'-7'428'16,"0"-1"-97"-16,2 4-41 0,-2 4-17 0,0 0-1 15,0 0-12-15,0 2-31 0,1 3 13 0,-2-1 12 16,0 14 3-16,3 1-15 0,0 5 4 15,0-12-5-15,0 8-32 0,0 1-1 0,12 28-29 16,-11-23-14-16,4-1-26 0,-2-1-7 0,1-2-26 16,-1-4-8-16,0-3-15 0,0-2-49 15,-2-4-45-15,-1-1-45 0,4-1 5 0,-4-5-164 16,0 1-60-16,0-5 24 0,0 2-279 16,0-1 40-16,-1-1 38 0,0-1 22 0,-1-1 31 15,1 2 25-15,-3-4 0 0,2 2 33 0,0-1 58 16,-10-5-3-16</inkml:trace>
+  <inkml:trace contextRef="#ctx0" brushRef="#br0" timeOffset="17066.09">8559 1782 389 0,'-2'-7'428'16,"0"-1"-97"-16,2 4-41 0,-2 4-17 0,0 0-1 15,0 0-12-15,0 2-31 0,1 3 13 0,-2-1 12 16,0 14 3-16,3 1-15 0,0 5 4 15,0-12-5-15,0 8-32 0,0 1-1 0,12 28-29 16,-11-23-14-16,4-1-26 0,-2-1-7 0,1-2-26 16,-1-4-8-16,0-3-15 0,0-2-49 15,-2-4-45-15,-1-1-45 0,4-1 5 0,-4-5-164 16,0 1-60-16,0-5 24 0,0 2-279 16,0-1 40-16,-1-1 38 0,0-1 22 0,-1-1 31 15,1 2 25-15,-3-4 0 0,2 2 33 0,0-1 58 16,-10-5-3-16</inkml:trace>
   <inkml:trace contextRef="#ctx0" brushRef="#br0" timeOffset="17289.71">8432 1992 232 0,'-5'-2'452'15,"0"1"-79"-15,3 0-25 0,-1 1-42 16,0-1-13-16,1 1-36 0,-1-2-30 16,1 2 29-16,1-1-19 0,0 0-11 0,2 1-10 15,0 0-16-15,1-1-20 0,2 2-15 0,2-1-22 16,3-1-20-16,12 1-9 0,-8 0-20 0,5 0 1 15,5 0-15-15,4 0-40 0,2 0-32 16,2 0 0-16,31-9-88 0,-31 6-50 0,-6-4-19 16,-1 0-23-16,-2 0-29 0,0 0 19 0,-2-1-79 15,-3-5-60-15,-4 2-20 0,-1-3-54 0,-4 2 21 16,0-1 16-16,-1 0 15 0,-6 2 86 16,-1 11 79-16,0-9 147 0</inkml:trace>
   <inkml:trace contextRef="#ctx0" brushRef="#br0" timeOffset="17868.76">8848 1814 1147 0,'-11'-8'152'0,"3"-1"10"16,0 4-2-16,0 0 10 0,2 1 22 0,0 2-6 15,1 1-20-15,0 1 11 0,0 0-1 0,5 0-25 16,0 0-19-16,-17 14 57 0,8 0 27 16,3 1 8-16,1 7-3 0,3 0-10 0,2-10-8 15,0 5-12-15,0 4-1 0,12 25 8 0,-7-24-23 16,-1 1-15-16,1-2-26 0,-1-4-5 16,1-1-13-16,0-3-2 0,-1-1-20 0,2-5 7 15,-3-2-32-15,0 0 0 0,1-3 2 16,2 1-32-16,0-3-18 0,-6 0-19 0,13 0-8 15,19-18-22-15,-13 7-17 0,-3-2 0 16,3 4 8-16,-1-1 1 0,-1 1 5 0,-2 1-5 16,-1 0 3-16,-2 4 6 0,-1 2-6 15,-11 2 14-15,9 0-9 0,-2 0 11 0,16 10-2 16,-10-5-5-16,-3 2 10 0,-3 0 1 0,6 0-7 16,-2-2 4-16,-2 0 7 0,-1-1 16 15,-2-1-10-15,2-1 13 0,-3 0-12 0,1-1 7 16,1-1-6-16,0 0 4 0,-7 0-4 0,7 0 3 15,2 0-7-15,16-12 7 0,-15 5-5 16,5 2-5-16,-7 0 8 0,-2 1 1 0,-2 3-1 16,2-3 8-16,-3 1-3 0,-2 3-9 0,2-3 3 15,-1 3-2-15,1 0-12 0,-3 0 11 16,0 0-7-16,7 0 9 0,-7 0-1 0,28 10-2 16,-13-5 0-16,-4-2 0 0,5 3 0 15,-2-3 6-15,0 2-5 0,3 0 11 0,-5-3 0 16,-2-2 0-16,1 1-4 0,-1-1-10 0,-10 0 13 15,10 0-6-15,3 0 8 0,1 0-13 0,0 0 13 16,13-13-4-16,-19 10-8 0,0-1 3 0,0-1 0 16,1-7 5-16,-4 4-2 0,-1-1-10 15,-1 1 8-15,-3 1 4 0,0 2-2 0,0 5 4 16,0-7-9-16,0 7 10 0,-11-14-13 0,-4 9-3 16,-1 0 7-16,-1 5-21 0,4-1-15 15,-5 0-22-15,2 1-15 0,16 0 7 0,-11 0-127 16,0 0-46-16,2 0-55 0,2 0 31 0,7 0-256 15,-9 0 41-15,9 0-3 0,-5 14 36 0,22-9 75 16,8 0 10-16,7-2 24 0,2 1 32 16,-3 0 5-16,3 2-15 0</inkml:trace>
   <inkml:trace contextRef="#ctx0" brushRef="#br0" timeOffset="18371.68">9937 1997 557 0,'1'-5'413'15,"-1"1"-55"-15,0-1-16 0,-2 0-45 0,0-2-14 16,-5-5 19-16,-3 1-17 0,-2-1-23 0,-1 4-4 16,-4 3-19-16,4 2-31 0,0 2-8 15,5 1-17-15,-5 0-15 0,-17 15-15 0,14-7-2 16,2 1-16-16,0 2-27 0,3 0-1 16,3 1-16-16,4-2-1 0,-1-2 6 0,3 3-11 15,2-11-11-15,0 6-2 0,0 0-20 0,0-6 11 16,12 15-3-16,-6-12-27 0,0-1-3 0,0-2-15 15,4 0-13-15,-1 0-27 0,4 0-30 16,18-9-24-16,-14 3 7 0,2-5-58 0,-3 1-33 16,-2-3-11-16,0-1-29 0,2-1 0 0,-4-3-1 15,-1-1 8-15,3 1-2 0,-3-3 30 0,-2-2-2 16,-2 3 32-16,-2-3 18 0,-1 3 29 16,-1 1 27-16,-3-5 29 0,0 12 9 0,0-3 29 15,0-4 7-15,-12-21 18 0,8 22 42 16,-2 3 30-16,3-1-10 0,0 5 23 0,1 2-5 15,-1 3 11-15,1 2-18 0,0 4 41 0,0 3 14 16,0-1 5-16,1 3 8 0,0 2 7 0,2 14-5 16,-1-10 13-16,0 8-10 0,0 3-3 15,14 28-6-15,-7-24-17 0,2 2 1 0,-1 1-24 16,1-2-13-16,-4-1-12 0,6 1-11 0,-2-3-7 16,2-2-8-16,2 1-75 0,-3-4-37 15,2 1-39-15,-2-7-52 0,1 3 12 0,-1-6-124 16,3 0-64-16,-6-5-38 0,2-3 30 0,-2 1-279 15,-1-1 46-15,-1-2 43 0,-1 0 65 16,2 0 11-16,-6 0 31 0,0 0 16 0,0 0 18 16,0 0 52-16,7 0 23 0,3-10-8 15</inkml:trace>
@@ -455,18 +455,18 @@
   <inkml:trace contextRef="#ctx0" brushRef="#br0" timeOffset="35198.99">27920 1551 818 0,'1'-12'261'0,"-1"2"-34"0,-6-2-18 15,-2 4-6-15,0 4 5 0,-2 1-34 0,-10 5-9 16,9-2 18-16,-24 13-26 0,10 1 5 0,-2 5-3 15,-1 5-2-15,3 0-17 0,2 4 4 16,2 1-7-16,4-1-11 0,5 1-17 0,3-1 16 16,5 0-4-16,3 4-15 0,1-18-14 15,13 25 7-15,-2-18-5 0,2-3-8 0,5-5-20 16,2-2-2-16,2-2 3 0,1-4-19 16,1-3 3-16,-1-2-1 0,-12 0-18 0,7 0 4 15,21-12 5-15,-16 4-29 0,-2-3-20 16,0 1 7-16,-3 0 0 0,-3-1-5 0,-2 3-11 15,-1 1 11-15,-4 0-17 0,-1 4 13 0,-2 0-1 16,-1 1-4-16,-2 0 13 0,-2 2-17 0,0 0 6 16,0 0-11-16,3 12 16 0,-2-7 8 0,0 0-9 15,0 1 13-15,1 0 15 0,0 0-8 16,8 6 18-16,1-1 2 0,-2-2 26 0,3-1-16 16,-1-3 10-16,3-1 0 0,0-1-3 15,0-3-9-15,-5 0-1 0,5 0-13 0,3 0 8 16,17-10-13-16,-16 0 4 0,0 4-10 0,-3-2 3 15,1-2-14-15,-3-1-16 0,0 0 5 0,-3 2-13 16,-4 1 8-16,0 1 4 0,-4 2-17 16,-2 1-34-16,0 4 5 0,0 0-50 0,-23-10-1 15,6 7-8-15,-3 0-21 0,-5 3-23 16,12 0-12-16,-6 0-16 0,-4 0-46 0,1 0 22 16,1 0-144-16,3 0-96 0,3 0 17 15,3 0 59-15,5 0 13 0,7 0-9 0,0 0 50 16,-9-1-2-16,13-3 35 0</inkml:trace>
   <inkml:trace contextRef="#ctx0" brushRef="#br0" timeOffset="35715.37">28152 1792 293 0,'11'0'320'0,"-1"0"-28"16,0 0-38-16,9 4-1 0,-10-4-3 0,18 9-27 15,-10-2-11-15,-3 2-11 0,0 1-5 0,-1-3-37 16,0 3-4-16,-3-1 13 0,-2-2-27 16,-2 1-14-16,-1-1-22 0,-2-2 4 0,1 0-8 15,-2-2-11-15,-1 0-4 0,1 0-5 0,-1-2 4 16,0 1 22-16,0 1-10 0,0-2-3 0,-1-1-23 15,-2 0 3-15,1-2-18 0,0 0 11 16,0-1-8-16,0 1-10 0,0-2-7 0,1 0 14 16,0-3-22-16,0 2 5 0,5-8-13 0,1-2-14 15,-1 2-5-15,3 4 3 0,1-1-1 16,2 2 6-16,1 4 4 0,3-1-3 0,-2 5 2 16,0 0-14-16,-13 0 4 0,13 0-18 15,17 10 11-15,-14-3 8 0,-2 0-5 0,-1 3-9 16,-1-1 13-16,-5 0-6 0,0-2 3 0,-2-1-15 15,-1-1 22-15,-1-1 0 0,0 0-5 0,-1 0-1 16,0-2 11-16,0 1-9 0,-2-1 20 0,0-1 3 16,0-1-11-16,0 0-5 0,0 0 0 0,0 0 1 15,-7 3 2-15,5-4 1 0,0-1 1 16,1 1 4-16,0-3-15 0,0 1 16 0,2-3-17 16,0 0 13-16,4-8-5 0,0-1-9 15,4 3-7-15,1-3 9 0,2 6-3 0,1 1-1 16,1 1 0-16,1 2 1 0,1 1-8 0,1 2 5 15,2 2-3-15,-10 0 5 0,19 11 5 16,-13-5 4-16,1 5-7 0,-1-1-15 0,-3 0-2 0,-2 2 14 16,-3 2 1-16,0 1-13 0,-4-5 17 15,-1-3 1-15,-1 2-15 0,-1-9-45 0,0 5-12 16,0-5 5-16,0 8-49 0,0-8-31 16,0 7-55-16,-13 0-21 0,11-7-50 0,-1-2 25 15,1 0-188-15,0-1-58 0,1 0 31 16,-1-1 25-16,0-1 38 0,1-1 24 0,1-1 24 15,0-2 53-15,0-3-25 0</inkml:trace>
   <inkml:trace contextRef="#ctx0" brushRef="#br0" timeOffset="36269.36">28848 1766 445 0,'4'2'369'0,"1"3"2"0,5 4-41 15,-1 3-11-15,0 0-41 0,0 2-8 0,-2-1-9 16,2 1-52-16,-1 1 13 0,-2-1-22 15,-3-4-14-15,1 0-31 0,-3-3-1 0,-1-7-19 16,0 0-16-16,0 7-27 0,0 0 6 16,0-7-1-16,0 6-15 0,0-6-2 0,0 0-6 15,0 0-8-15,0 0-15 0,-7 9 1 0,5-11-19 16,0-1-13-16,-1 0-12 0,1-3-7 16,1 1-10-16,1-3-9 0,2-8 14 0,-2 7-21 15,0-2 27-15,10-13-18 0,-3 11 2 0,2 4 0 16,0 2 2-16,-1 1 11 0,0 5-10 15,3 1 9-15,-11 0-4 0,11 0 4 0,18 12-13 16,-14-2 20-16,0 1-14 0,0 2 23 0,-1-1 1 16,-2 2 16-16,-1-2-6 0,-1 2-2 0,-1-2 14 15,-5 1-17-15,1-3 7 0,-2-3-4 0,0-1 2 16,0-2-3-16,-2 1 3 0,0-3 1 16,1 0 5-16,-2 1-4 0,0-3 10 0,-2 0-11 15,0-1-11-15,1-1 9 0,-1-1-10 0,1 0-16 16,-1-3-6-16,1 1-7 0,0-2-33 15,0 0 30-15,1-3-20 0,0-2 18 0,0 2 9 16,0 0-10-16,0-1 3 0,12-3-20 16,-4 2 22-16,1 4 15 0,-2 3 0 0,0 0-1 15,0 3-21-15,2 2 34 0,-1 0-16 0,-8 0-5 16,12 0 22-16,19 12 2 0,-15-6-3 0,-2 2 19 16,2 2-19-16,-4 0-9 0,1 2 15 15,-4-2 8-15,-1 0-11 0,-2-1-5 0,-4-2 12 16,1 0-13-16,-3-2-26 0,0-1-22 15,0 1 5-15,0-5-75 0,0 0-32 0,0 0-40 16,0 0-34-16,-11 6-42 0,6-8 23 0,1 1-212 16,2 0-19-16,-3-4 35 0,2 2 29 0,0-2 40 15,2 1 28-15,-1-2-6 0,2 1 36 16,3-10 3-16</inkml:trace>
-  <inkml:trace contextRef="#ctx0" brushRef="#br0" timeOffset="37136.69">29412 1835 443 0,'0'4'361'0,"1"2"-16"0,0 1-4 16,-1 12-28-16,0-10-40 0,0 4 46 0,0 4-11 16,0-2-34-16,0 2-11 0,0 0-29 15,10 12-14-15,-7-18-21 0,5 2-24 0,-4-4-12 16,-1-2-20-16,2-3-9 0,0 0-9 16,2-3-16-16,-1 0-9 0,-6-1-14 0,8 0-36 15,1 0-14-15,18-15-39 0,-11 6-14 0,1-3-27 16,-2 0 4-16,2-2-7 0,0 1-18 15,-7-3 6-15,4 6 6 0,-5-2 5 0,1 0 4 16,-5 5 6-16,0 2 2 0,0 2 22 0,-1 1-9 16,-1-1 7-16,-1 2-11 0,-2 1 15 15,0 0 4-15,0 0-1 0,-2 9 1 0,1-4 39 16,1 1 21-16,0-2-4 0,-2 2-16 0,2-1 12 16,0 2-1-16,0-2 4 0,0-5 2 15,0 0-7-15,0 8 0 0,0-1-10 0,15 10 15 16,-5-12-21-16,-3-1 20 0,1-2-11 0,-1-3-16 15,-7 1-2-15,8 0-12 0,4 0-22 0,15-10-37 16,-14 4 5-16,2-3-29 0,-3-3-18 16,1 0-27-16,-2-1 9 0,-1 0 8 0,-4 5 7 15,0-2 4-15,-2 3 6 0,-1 2 18 0,-1 1-8 16,0-1-1-16,0 4 34 0,-2-1-11 0,0 2 25 16,0 0 10-16,2-2 4 0,-2 2 23 15,0 2 21-15,0 1 0 0,0 1 14 0,0 1-12 16,0 0-1-16,2 2-3 0,-2 0-3 15,0-1 51-15,0 3 1 0,0 3-10 0,12 12 2 16,-10-13 5-16,-1-2-23 0,1-2 15 0,-1-1-28 16,0 0 2-16,1-3 22 0,-2 1 2 0,2-1 8 15,-2 0-10-15,2-1-10 0,-2-2 4 16,1 0-14-16,-1 0-4 0,1-2-8 0,1 0-4 16,-1-2-28-16,0 0 1 0,2-3-17 0,3-7-6 15,0 2 3-15,0-2 15 0,0-1-24 16,1 2 12-16,-1-2-4 0,2 6 10 0,-1 1-5 15,0 2 3-15,0 3 6 0,0 0-5 16,-7 3 2-16,6 0 1 0,4 0 6 0,14 15 1 0,-9-8 0 16,-1 3 16-16,2-1-9 0,-3 2 11 15,3 1-15-15,-3-3 9 0,2 0 7 0,-3-1-5 16,1-1-15-16,-5-2 11 0,0 0 7 16,-1-1 7-16,-2-3-7 0,-1 1-10 0,-4-2 11 15,0 0 0-15,0 0 0 0,9 0 17 0,-9 0-38 16,9 0-7-16,-9 0 14 0,14-10-6 15,-10 5 3-15,-1 0 2 0,6-4-30 16,-3-1 7-16,1 5-2 0,0-2-6 0,-5 2 3 16,0 1 3-16,1 1 4 0,1 0 1 0,-2 1 4 0,-2 2 1 15,0 0 3-15,0 0 53 0,6 0-6 16,13 21 18-16,-12-10-3 0,3-1-11 0,-2 3 13 16,-2 0-5-16,3-1-8 0,-4-5 2 15,2 1-11-15,-3-1 3 0,-2-2 3 0,0-3-2 16,1 3-15-16,-1-3-10 0,2-2-27 0,-2 3 0 15,3-3-96-15,-3 0-44 0,-2 0-27 0,0 0-33 16,18-17 21-16,-11 5-190 0,3-4-82 16,-4 0 31-16,0-3 37 0,-1-3 35 0,0 3-7 15,-2-1 68-15,3-1-30 0,-2 4 8 0</inkml:trace>
+  <inkml:trace contextRef="#ctx0" brushRef="#br0" timeOffset="37136.68">29412 1835 443 0,'0'4'361'0,"1"2"-16"0,0 1-4 16,-1 12-28-16,0-10-40 0,0 4 46 0,0 4-11 16,0-2-34-16,0 2-11 0,0 0-29 15,10 12-14-15,-7-18-21 0,5 2-24 0,-4-4-12 16,-1-2-20-16,2-3-9 0,0 0-9 16,2-3-16-16,-1 0-9 0,-6-1-14 0,8 0-36 15,1 0-14-15,18-15-39 0,-11 6-14 0,1-3-27 16,-2 0 4-16,2-2-7 0,0 1-18 15,-7-3 6-15,4 6 6 0,-5-2 5 0,1 0 4 16,-5 5 6-16,0 2 2 0,0 2 22 0,-1 1-9 16,-1-1 7-16,-1 2-11 0,-2 1 15 15,0 0 4-15,0 0-1 0,-2 9 1 0,1-4 39 16,1 1 21-16,0-2-4 0,-2 2-16 0,2-1 12 16,0 2-1-16,0-2 4 0,0-5 2 15,0 0-7-15,0 8 0 0,0-1-10 0,15 10 15 16,-5-12-21-16,-3-1 20 0,1-2-11 0,-1-3-16 15,-7 1-2-15,8 0-12 0,4 0-22 0,15-10-37 16,-14 4 5-16,2-3-29 0,-3-3-18 16,1 0-27-16,-2-1 9 0,-1 0 8 0,-4 5 7 15,0-2 4-15,-2 3 6 0,-1 2 18 0,-1 1-8 16,0-1-1-16,0 4 34 0,-2-1-11 0,0 2 25 16,0 0 10-16,2-2 4 0,-2 2 23 15,0 2 21-15,0 1 0 0,0 1 14 0,0 1-12 16,0 0-1-16,2 2-3 0,-2 0-3 15,0-1 51-15,0 3 1 0,0 3-10 0,12 12 2 16,-10-13 5-16,-1-2-23 0,1-2 15 0,-1-1-28 16,0 0 2-16,1-3 22 0,-2 1 2 0,2-1 8 15,-2 0-10-15,2-1-10 0,-2-2 4 16,1 0-14-16,-1 0-4 0,1-2-8 0,1 0-4 16,-1-2-28-16,0 0 1 0,2-3-17 0,3-7-6 15,0 2 3-15,0-2 15 0,0-1-24 16,1 2 12-16,-1-2-4 0,2 6 10 0,-1 1-5 15,0 2 3-15,0 3 6 0,0 0-5 16,-7 3 2-16,6 0 1 0,4 0 6 0,14 15 1 0,-9-8 0 16,-1 3 16-16,2-1-9 0,-3 2 11 15,3 1-15-15,-3-3 9 0,2 0 7 0,-3-1-5 16,1-1-15-16,-5-2 11 0,0 0 7 16,-1-1 7-16,-2-3-7 0,-1 1-10 0,-4-2 11 15,0 0 0-15,0 0 0 0,9 0 17 0,-9 0-38 16,9 0-7-16,-9 0 14 0,14-10-6 15,-10 5 3-15,-1 0 2 0,6-4-30 16,-3-1 7-16,1 5-2 0,0-2-6 0,-5 2 3 16,0 1 3-16,1 1 4 0,1 0 1 0,-2 1 4 0,-2 2 1 15,0 0 3-15,0 0 53 0,6 0-6 16,13 21 18-16,-12-10-3 0,3-1-11 0,-2 3 13 16,-2 0-5-16,3-1-8 0,-4-5 2 15,2 1-11-15,-3-1 3 0,-2-2 3 0,0-3-2 16,1 3-15-16,-1-3-10 0,2-2-27 0,-2 3 0 15,3-3-96-15,-3 0-44 0,-2 0-27 0,0 0-33 16,18-17 21-16,-11 5-190 0,3-4-82 16,-4 0 31-16,0-3 37 0,-1-3 35 0,0 3-7 15,-2-1 68-15,3-1-30 0,-2 4 8 0</inkml:trace>
   <inkml:trace contextRef="#ctx0" brushRef="#br0" timeOffset="37268.05">30375 1738 328 0,'-8'-7'365'0,"-3"-4"-53"16,1 3-29-16,2 2-22 0,-1 2-26 15,2 0-24-15,1 0-24 0,-3 2-5 0,4-2-55 16,-1 4-49-16,1-1-56 0,-2 1-57 16,7 0 4-16,0 0-265 0,0 0 23 0,-13 10 20 15,15-7-95-15,2 0 35 0,12 8-14 0,-4-2 3 16</inkml:trace>
   <inkml:trace contextRef="#ctx0" brushRef="#br0" timeOffset="38065.81">30586 1815 219 0,'4'-1'476'16,"-2"1"-92"-16,1 0-48 0,-1 0-10 16,0 1-54-16,-2 0-31 0,0 2-28 0,-2-1 30 15,0 3 6-15,0 0-19 0,-5 7-23 0,-3 5-15 16,1-1-5-16,3 2-18 0,0-2-8 16,2 4-11-16,0-2-17 0,2-5-5 0,2-7-15 15,0 3 4-15,0-2-25 0,0 0-7 0,0 1-14 16,0-1-6-16,21 11 4 0,-9-7-9 0,2-4-12 15,-1-2-36-15,3 1-29 0,2-2-22 16,7 3 4-16,0-7-121 0,0 0-31 16,-12 0-30-16,5 0-36 0,29-10 27 0,-16 5-76 15,-4-2-52-15,-4-3-33 0,0 2-7 0,-4-1-2 16,-3 0 39-16,-4-1 99 0,-5 3 116 0,-1-1 12 16,-3 1 200-16,-1 0 49 0,-2 0 11 15,0 7 15-15,0 0-8 0,0-7 16 0,0 7 0 16,-23-20 17-16,12 14 35 0,-1 2-22 0,1 2 2 15,0 2 3-15,0-1-42 0,2 1-10 16,-18 11 18-16,12-4-11 0,-2 4-20 0,4 0-5 16,0 0-9-16,4 0-10 0,-2 0-15 0,4-1 12 15,4-3-25-15,-1 0 2 0,2-1-12 16,2-1 1-16,0-1 0 0,0-4-14 0,0 0-13 16,0 0 3-16,10 13-1 0,-4-11-11 0,0-2-21 15,1 2-21-15,2-2 4 0,1 0-11 16,4 0 2-16,5 0-56 0,17-10 17 0,-16 3-2 15,0-1-12-15,-2 1 20 0,-5-2-9 16,1 3 5-16,-1 0-2 0,1 2 14 0,-5 1 8 16,-4 0-1-16,1 1 20 0,0 2-29 0,2 0 24 15,-8 0 8-15,0 0 27 0,9 0-1 16,16 12 4-16,-10-7-2 0,-1-2 0 0,-1 4-2 16,-1-3-6-16,7-2 2 0,0-1-17 0,-4-1 35 15,-5 0-29-15,-10 0 21 0,10 0-3 16,-1 0-15-16,14-10 13 0,-7 3-46 0,-7 1 10 15,6-3-10-15,-5-3-4 0,0 0 2 0,-3-3-5 16,-3-3 16-16,6 0-31 0,-8-3 15 0,1-1 0 16,5 1 5-16,-6-2-11 0,0 0 22 15,-2-4 7-15,3 2-14 0,-3 11 46 0,0-1 4 16,0-3 23-16,0 2 6 0,0 4-18 16,0 2 26-16,0 3-29 0,0 7 27 0,0-8-12 15,-3 2-4-15,1 8 33 0,2 3-1 0,0 2 19 16,2 13 8-16,-2-8-7 0,0 5 22 15,0 7 9-15,12 28-14 0,-10-24 1 0,5 1-11 16,-1 0-15-16,1 0-3 0,3-4-3 0,-2 1 0 16,-1-5-25-16,0-4-35 0,2-3-27 15,0-3-27-15,2-2 1 0,0-5-165 16,-2-2-61-16,-2-2 24 0,-7 0-247 0,12 0-29 16,3-13 39-16,-9 3 25 0,0-2 31 0,-2 0 42 15,-2 2 17-15,-2 1 12 0,0 1 49 16,0-2-13-16</inkml:trace>
   <inkml:trace contextRef="#ctx0" brushRef="#br0" timeOffset="38345.06">31325 1846 917 0,'0'-1'390'16,"-2"1"-54"-16,0 0 18 0,4 0-44 0,0 0-16 16,0 0-19-16,4-2-22 0,-1 4-20 15,5-2-23-15,9 0-21 0,-7 0-16 0,3 0-26 16,6 0 0-16,1 0-29 0,0 0-4 0,3 0-12 15,-2 0-11-15,0 0-8 0,-2 0-21 16,-2 0-5-16,16 11-7 0,-18-5-10 0,-6 1 4 16,1 1-8-16,-2 3-3 0,-3 2-5 15,1-1 1-15,-3 5-8 0,0-8 3 0,0 6-2 16,-1-5-11-16,-2-1-26 0,0-1-45 0,0-1 7 16,0-1-74-16,-1-2-35 0,-1 0-35 0,0-4-44 15,2 1 24-15,-2-1-185 0,0 0-75 16,0 0 12-16,0 0 54 0,2-10 34 0,-2 6 22 15,2 0-11-15,0-2 27 0,3-8 56 0,-2 3 4 16</inkml:trace>
   <inkml:trace contextRef="#ctx0" brushRef="#br0" timeOffset="38463.88">31729 1823 421 0,'-4'-9'362'16,"2"1"-37"-16,-3 2-55 0,1 0-32 16,-8-1-27-16,3 1-25 0,-4 0-30 0,1 1-44 15,4 3-38-15,-1-1-57 0,9 3-2 0,-8 0-255 16,2 0-122-16,6 0 4 0,0 0 34 15,0 0 22-15,-9 3-13 0</inkml:trace>
-  <inkml:trace contextRef="#ctx0" brushRef="#br0" timeOffset="38743.12">31785 1855 655 0,'0'6'372'0,"0"0"16"0,0 1-51 15,0 0-29-15,0 13-6 0,0-11-23 0,0 4-19 16,0 3-10-16,0-1-26 0,11 14-20 0,-5-15-13 15,-2-5-13-15,5 2-6 0,-1-3-7 16,2-4-13-16,-1 1-18 0,-1-5-17 16,-1 3 2-16,3-2-23 0,-2-1-14 0,-8 0-7 15,13 0-2-15,14-12-14 0,-11 3-5 16,-5-3-13-16,-1-3-22 0,-3 3-5 0,-3 2-18 16,-2-2-13-16,-2 1-28 0,0 3-23 0,0-5 0 15,-18-15 8-15,11 13-112 0,-2-2-21 16,-1 5-66-16,2-2 26 0,2 4-172 0,1 3-96 15,3-1 43-15,0 4 22 0,2 4 40 16,11-6 27-16,5 2 51 0,4 2 21 16,-4 2 14-16,1-1-24 0</inkml:trace>
+  <inkml:trace contextRef="#ctx0" brushRef="#br0" timeOffset="38743.11">31785 1855 655 0,'0'6'372'0,"0"0"16"0,0 1-51 15,0 0-29-15,0 13-6 0,0-11-23 0,0 4-19 16,0 3-10-16,0-1-26 0,11 14-20 0,-5-15-13 15,-2-5-13-15,5 2-6 0,-1-3-7 16,2-4-13-16,-1 1-18 0,-1-5-17 16,-1 3 2-16,3-2-23 0,-2-1-14 0,-8 0-7 15,13 0-2-15,14-12-14 0,-11 3-5 16,-5-3-13-16,-1-3-22 0,-3 3-5 0,-3 2-18 16,-2-2-13-16,-2 1-28 0,0 3-23 0,0-5 0 15,-18-15 8-15,11 13-112 0,-2-2-21 16,-1 5-66-16,2-2 26 0,2 4-172 0,1 3-96 15,3-1 43-15,0 4 22 0,2 4 40 16,11-6 27-16,5 2 51 0,4 2 21 16,-4 2 14-16,1-1-24 0</inkml:trace>
   <inkml:trace contextRef="#ctx0" brushRef="#br0" timeOffset="39164.75">32049 1833 507 0,'8'14'303'0,"-1"1"28"0,2 0-23 0,2 3-4 16,-6 0-40-16,-1-4 19 0,-4 0 3 15,2-4-27-15,-2-2-26 0,0 1-17 0,0-1 6 16,0-3-31-16,0-5-8 0,0 0-26 0,0 7-9 15,0-7-16-15,0 8 3 0,0-8-4 0,0 6-5 16,0-6-5-16,0 0-2 0,-11 12 12 0,9-12-8 16,0-1-9-16,0-2-2 0,0 0-22 15,2-2-5-15,0 0-17 0,0-2 5 0,8-10-5 16,-4 0-11-16,3-2-3 0,5 1-21 16,-1 0 12-16,5 1-28 0,1 4 13 0,0 1-22 15,4 4 13-15,0-1-16 0,-2 9 10 16,-9 0-1-16,22 10-2 0,-12 1-22 0,-2 2 11 15,0 7-11-15,-5-3 3 0,1 2 11 16,-3-1-2-16,-2 0 5 0,2-1-3 0,-4-1-11 16,1 0 11-16,0-2 5 0,-1 0 9 15,-1-2-21-15,1-1 6 0,-1 1 13 0,6-1-7 16,6 2 0-16,2 3-8 0,3-3 13 16,2-3 1-16,4 2-4 0,2-3 0 0,-1-2-14 15,6 1 16-15,-5-2-28 0,5-1-15 16,-1 0-23-16,-3-4-20 0,-1 1-19 0,-4-1-1 15,-2 1-12-15,-4-2 1 0,-14 0 0 0,3 0 9 16,2 0-49-16,1 0 12 0,-4 0-42 16,1 3-36-16,-15-9-48 0,5 4 26 0,-7 1-124 15,-2-7-150-15,2 2 54 0,-9-1 29 0,3-3 4 16,-5 3 35-16,5 0 24 0,-1 1 39 16,-3-1 6-16,2-3 0 0</inkml:trace>
   <inkml:trace contextRef="#ctx0" brushRef="#br0" timeOffset="39593.42">33165 2011 277 0,'2'-2'333'0,"-11"2"-68"0,-4 1-36 16,2 2-21-16,0 1-22 0,0 1-28 0,-2-1-10 15,-2 7-5-15,5-3-17 0,-3-2-20 16,3-1-12-16,0 1 8 0,8 5-30 0,-4-7-2 16,3 1-7-16,3 2 17 0,0-4-10 0,0 5 6 15,0-8 23-15,0 0-27 0,11 13-1 16,1-7 12-16,3 6-14 0,-6-5-13 0,7 0 0 15,5 0 2-15,-9 1 13 0,1 3 20 0,-3-1-27 16,-1-2 12-16,0 1-8 0,-6 3-6 0,2-5 20 16,-4-2-2-16,-1-5-16 0,0 8 30 0,-11 4-6 15,2-8-1-15,-4 1 1 0,-1-2-3 16,-8-1-29-16,10-2 14 0,-6 0-57 0,-4 0-1 16,-3 0-105-16,-34-10-66 0,22 3-101 15,1-2 25-15,-5 0 20 0,1 0 20 0,-1-1-258 16,-6-1 40-16,15 1 22 0,3 3 27 0,5-3-29 15,-6 2 28-15,-2-1 12 0,1-3 4 16</inkml:trace>
   <inkml:trace contextRef="#ctx0" brushRef="#br0" timeOffset="40122.9">33691 2181 486 0,'4'0'454'0,"-6"0"-75"0,-2 3-52 0,-1 1-23 16,-2 4-37-16,-8-1-4 0,7 4-49 0,-9 2-12 15,4-1-9-15,-1 5-12 0,-2-2-24 16,-2-1-45-16,5 3-13 0,-3-5-107 0,0 0-47 15,-6-7-102-15,2-1 13 0,-3 0-292 0,1-2 31 16,0 1 29-16,9-3 26 0,-9 0 4 16,-5 0 22-16,-29-13 19 0,17 7 56 0</inkml:trace>
   <inkml:trace contextRef="#ctx0" brushRef="#br0" timeOffset="41210.32">2060 2939 605 0,'0'0'397'0,"0"0"-47"0,0 0-48 0,0 0-37 16,0 14 57-16,0-14-38 0,1 27-34 15,-1-20-25-15,-2 11-12 0,-2-2-36 0,1 0-22 16,1-3-5-16,-1-4-27 0,3-9-46 0,0 5-8 16,0 2-112-16,0-7-54 0,0 7-49 0,0-7 13 15,0 0-267-15,0 0-19 0,5 6-2 16,-3-6 62-16,1-3 2 0,-3 1 18 0,3-1 18 15,-2-2 13-15,1 3 1 0</inkml:trace>
   <inkml:trace contextRef="#ctx0" brushRef="#br0" timeOffset="41357.21">2076 2784 244 0,'-4'-5'333'0,"0"-2"-41"0,0 5-61 0,0-1-55 16,1 2-45-16,1-1-24 0,-2 2-57 15,1 0-56-15,2 2 1 0,-1-1-241 0,2 3 18 16,0-2 14-16,0 2-107 0,3-1 16 0</inkml:trace>
-  <inkml:trace contextRef="#ctx0" brushRef="#br0" timeOffset="41719.69">2248 2973 301 0,'12'16'309'0,"-3"-1"-57"0,1-3-27 16,-2 1-3-16,-2-5-19 0,0-2-1 15,-3 1-9-15,-1-5-16 0,2 1 1 0,-3 1 12 16,1-1 17-16,-1-2-22 0,0 0 19 0,1 2-33 16,-2-3-24-16,0 0 6 0,-1-3-21 0,0 3-13 15,0-1 3-15,0 0-13 0,-1-2-13 16,1-1 8-16,-3-1-13 0,2 3-12 16,2-3 4-16,-2 0-1 0,2 0-12 0,-1-2-23 15,1 2 20-15,0 5-14 0,0-9-14 0,10-18 0 16,-2 14-14-16,4 1 6 0,0 4 0 0,5-1 3 15,0 0-3-15,2 5-3 0,3 0 3 16,-1 1 6-16,-10 3-8 0,4 0 2 0,19 14-8 16,-18-8 1-16,-2 1-6 0,2 2-8 15,-7 2-5-15,-2-4 15 0,-4 0-17 0,1 1-6 16,-3-3-42-16,-1 2 5 0,0-7-78 0,0 0-5 16,0 8-51-16,0-1-32 0,-11 3-48 0,7-6 23 15,-2 0-274-15,3-2 23 0,0 1 55 16,-1-1 18-16,0-1 36 0,3 0 16 15,1-1 51-15,0 0 26 0,14 2-29 0</inkml:trace>
+  <inkml:trace contextRef="#ctx0" brushRef="#br0" timeOffset="41719.68">2248 2973 301 0,'12'16'309'0,"-3"-1"-57"0,1-3-27 16,-2 1-3-16,-2-5-19 0,0-2-1 15,-3 1-9-15,-1-5-16 0,2 1 1 0,-3 1 12 16,1-1 17-16,-1-2-22 0,0 0 19 0,1 2-33 16,-2-3-24-16,0 0 6 0,-1-3-21 0,0 3-13 15,0-1 3-15,0 0-13 0,-1-2-13 16,1-1 8-16,-3-1-13 0,2 3-12 16,2-3 4-16,-2 0-1 0,2 0-12 0,-1-2-23 15,1 2 20-15,0 5-14 0,0-9-14 0,10-18 0 16,-2 14-14-16,4 1 6 0,0 4 0 0,5-1 3 15,0 0-3-15,2 5-3 0,3 0 3 16,-1 1 6-16,-10 3-8 0,4 0 2 0,19 14-8 16,-18-8 1-16,-2 1-6 0,2 2-8 15,-7 2-5-15,-2-4 15 0,-4 0-17 0,1 1-6 16,-3-3-42-16,-1 2 5 0,0-7-78 0,0 0-5 16,0 8-51-16,0-1-32 0,-11 3-48 0,7-6 23 15,-2 0-274-15,3-2 23 0,0 1 55 16,-1-1 18-16,0-1 36 0,3 0 16 15,1-1 51-15,0 0 26 0,14 2-29 0</inkml:trace>
   <inkml:trace contextRef="#ctx0" brushRef="#br0" timeOffset="42206.5">3659 3019 788 0,'6'-3'343'16,"-2"1"-43"-16,-1 0-1 0,1 0-14 0,-2 1-21 15,1-2-30-15,-1 0 14 0,0 1-61 0,0 0-2 16,1 0 2-16,-2-1-3 15,-1 1-6-15,1-1-19 0,0 2-23 0,-1-1-19 16,-1 0-2-16,2-1-9 0,-1 2-14 0,0-2-7 16,-2 1-5-16,2 2-16 0,-1-3 15 0,0 2-13 15,-1 0-14-15,2 1-3 0,0 0-2 16,0 0-4-16,0 0-5 0,0 0-4 0,0 0-10 16,-6-7 2-16,5 4 8 0,1 3-9 0,0-1-6 15,-1 1 7-15,1-1-4 0,0 1 3 16,0-1-14-16,0 1-1 0,0-1 5 0,0 0 7 15,0 1-14-15,0 0 7 0,0-2 1 0,0 4-5 16,0-3-2-16,0 0 0 0,0 1-6 0,2-1-9 16,-3 0-20-16,0 1 9 0,1-1-37 15,2 1 4-15,-2 0-31 0,0 0-40 16,0-2-4-16,0 2-11 0,-1-2-12 0,-1 2-24 16,1 0-34-16,0-2-25 0,-1 0 21 0,0-1-274 15,1 1 33-15,-1-1 32 0,0 0 33 16,0 3 25-16,0-2 24 0,0 0 22 0,0 1 16 15,-2 1-21-15</inkml:trace>
   <inkml:trace contextRef="#ctx0" brushRef="#br0" timeOffset="42724.39">3681 2966 470 0,'4'-3'427'0,"1"0"-66"0,-2-1-15 0,1-1-44 15,-2 0-36-15,-1 0 11 0,-1-2-49 0,-1 2-16 16,1-3-41-16,0-2-14 0,-16-14 6 16,7 10-16-16,-1 5-22 0,-3 0-16 0,-1 3-23 15,-2 2-13-15,7 4 3 0,-7 0 15 0,-2 0-33 16,-23 15 14-16,20-4-24 0,0 1 2 15,1 2-5-15,4 0-7 0,0 0-25 0,3-1-3 16,4 0 11-16,-1-1 4 0,3 5-15 0,3-8-9 16,4-1 1-16,0-8-1 0,0 0 2 0,0 8 6 15,10 5 14-15,4-6-3 0,0-2-1 16,1 0-22-16,1-2-1 0,3 2 20 0,1 4-21 16,-1 2 5-16,4-7 1 0,-4 1-15 0,3 5-15 15,-3 1 4-15,-5-2 1 0,-1 5 4 16,-2-5 1-16,-8 0 3 0,3-1 46 0,-1-1 15 15,-2-2-1-15,-3 1 15 0,0-6-9 16,0 0 13-16,-16 18-11 0,3-8-1 16,-2-3-14-16,-4 0-1 0,-2-1 4 0,-3-1-2 15,0-1-7-15,-2 0-32 0,0-4-6 16,-1 3-9-16,-1-3 1 0,5 0-64 0,11 0-19 16,-7 0-36-16,-18-15-43 0,20 6-32 0,10 4 18 15,4-3-141-15,1-2-84 0,2 10-22 16,11-21 9-16,3 6 39 0,5-1 39 15,3 4 24-15,1 2 24 0,5-2-41 0,1 0 6 16</inkml:trace>
   <inkml:trace contextRef="#ctx0" brushRef="#br0" timeOffset="43085.36">3727 2994 486 0,'26'-6'352'0,"-9"2"-49"16,-2 1-37-16,-5 2-3 0,-10 1-5 16,7 0 11-16,0 0-33 0,4 15 30 0,-5-1-8 15,-2-4-6-15,0 6-27 0,-1-1-14 0,1 2-19 16,-3-3-10-16,4 1-12 0,-4-1-31 0,3 1-3 15,-1-5-11-15,-1-1-23 0,1-4 3 16,-1-2-23-16,1 1 0 0,1 0 0 0,1-1-22 16,-5-3 2-16,0 0-14 0,7 0-21 0,3 0-6 15,13-14-33-15,-10 4-1 0,-1 1-26 16,-1-2-7-16,2-3 2 0,0 1 5 0,-3-2-30 16,2-1 4-16,-3 2 5 0,-1 2-12 0,0 4 4 15,-2 0 23-15,-2 2 10 0,0 2-15 16,-1 1-3-16,0 3 41 0,-2-1 1 0,-1 1 29 15,0 0 6-15,0 0 0 0,11 14 27 16,-5 0 1-16,1 0-8 0,-2 0-8 0,0-1-3 16,1 0 3-16,0 0-8 0,-1-3-31 0,-2-2-4 15,2-4-25-15,2 1 4 0,1-2-64 16,0-3-14-16,0 0-37 0,-1 0-4 0,4 0-12 16,5 0-26-16,24-18-32 0,-20 9 18 15,1-1-94-15,0-5-58 0,-2 1-46 0,1 2 8 16,-1 1 28-16,-2 1 22 0,-2-2 14 0,-2 2 31 15,-2-2 124-15</inkml:trace>
@@ -516,7 +516,7 @@
   <inkml:trace contextRef="#ctx0" brushRef="#br0" timeOffset="63595.6">30370 3098 1048 0,'-5'-2'426'0,"0"2"-32"0,3 0-30 16,0 0-48-16,0 0-27 0,2 0-38 15,0 0-32-15,4 0-5 0,1 0-39 0,1 2-15 16,13 2-24-16,-9-4-10 0,25 4-17 15,-24-4-24-15,6 0-34 0,6 0-39 0,-2 0-1 16,23-12-85-16,-21 7-15 0,2-2-25 16,-4 0-14-16,2-1-24 0,-2-2 1 0,2 1-27 15,1-1-13-15,-6-2 18 0,2 3 7 0,-4 1 17 16,0-3 35-16,-5 5 3 0,-2 0 29 16,-4 0 21-16,-3 1 10 0,0 1 12 0,-2 4 30 15,0 0 14-15,0 0-1 0,0-8 7 16,-14-3 22-16,8 9 18 0,-6-4 6 0,1 0 11 15,4 2 0-15,-2 1 21 0,1 3-2 0,3-1-15 16,-2 1 22-16,7 0 4 0,0 0-4 0,-25 13 28 16,16-1-8-16,1-2-12 0,-1 5 32 15,1 6-26-15,2-1 13 0,1 1 11 0,4 0-10 16,1-7 3-16,0 5-11 0,0 4-6 16,0 2-10-16,18 27 1 0,-12-29-19 0,1 1-4 15,0-1-2-15,1-7-8 0,-3-6-9 16,2 5-5-16,-3-5-11 0,1-2 8 0,-1-3-1 15,0-1-21-15,1-1 4 0,-2-2-14 16,1 2 3-16,-1-3-15 0,1 0 3 0,-4 0-10 16,0 0-6-16,0 0 2 0,8 0-15 0,4-13 14 15,1 6-23-15,-1-5 3 0,-3 0-5 0,0 3 18 16,1 1-2-16,-2-2-3 0,-4 6-9 16,1 1-4-16,-1 0 20 0,0 2 5 0,-4 1 1 15,0 0-4-15,0 0 6 0,8 0-11 16,12 15 14-16,-14-9 18 0,6-2 0 0,3 4 20 15,-1 1-14-15,1-1 8 0,3-3-5 16,0 0 6-16,0-3-2 0,1 5-2 0,-2-5-2 0,-1-2-11 16,-3 0 8-16,-13 0 4 0,14 0-8 15,12-9-3-15,-11 4 5 0,-5-1-1 0,-2 1-5 16,-4-1-9-16,1 1 1 0,-3-1 4 0,-2 2-10 16,0 0-7-16,0 4-7 0,0 0 15 15,0 0-15-15,-11-8 7 0,4 9 1 0,4 0 4 16,-3 0 3-16,1 1 5 0,1 1 1 15,0 1 1-15,2 1 6 0,0 0 2 0,2 0 4 16,2-1 11-16,8 9 2 0,1 1-2 16,5 0 10-16,4-3 2 0,3 0-8 0,-3-1-5 15,1-2 2-15,1-1-6 0,0 0-8 0,-1-4-20 16,-2 1-33-16,2-3-29 0,0 1-29 16,-11-2 9-16,7 0-150 0,0 0-39 0,21-12-61 15,-26 10 31-15,-1-1-218 0,-3-1 19 0,0 1 33 16,-2 0 44-16,-5 2 44 0,-1 0 24 0,-1-2 40 15,-1 0-2-15,-4 0 40 0,-17-5-15 16</inkml:trace>
   <inkml:trace contextRef="#ctx0" brushRef="#br0" timeOffset="65111.17">2333 4357 865 0,'0'0'305'16,"14"0"-37"-16,-14 0 15 0,0 0-61 0,22-18-10 15,-22 12-21-15,0 0 26 0,2 0-40 16,-4-2-4-16,2 3-28 0,-10-14-14 0,3 10 40 16,2 1-27-16,0 3-43 0,-1 2 7 15,-1 2-11-15,2 1-9 0,5 0-11 0,0 0-7 16,-25 17-7-16,9-4-7 0,3 5-20 0,0 1-1 15,3 0 17-15,2 5 0 0,4-5-7 16,-3 1-3-16,2-1-6 0,5 0-2 0,0-6-18 16,0-13-2-16,0 9 0 0,0-1-3 0,14 4-20 15,-9-9 0-15,-1-2 37 0,0-1-11 16,2-1-9-16,1-2-3 0,0 3 0 0,13-12 16 16,-6 1-17-16,-1 0-5 0,-2-1-10 15,0 0 1-15,-1-2 1 0,0 1 1 0,-2-2 1 16,0 2 0-16,-1 0-16 0,-1 2 14 0,-3 3-1 15,0 2-22-15,-1 0 18 0,0 1-11 16,1 0 18-16,-2 3-24 0,-1 0 3 0,0 2 3 16,0 0 30-16,0 0-17 0,0 0 21 15,2 11-2-15,-2-6-23 0,2 0 2 0,-1 0 45 16,7 12-3-16,-2-4-4 0,1 2-2 16,2-2-2-16,0-1-1 0,-1-2-53 0,0 3-15 15,0-7-31-15,-1-1-34 0,-1-1-30 0,0-2-27 16,0 0-46-16,1-2 17 0,0 1-242 0,0-1 11 15,-7 0 37-15,7 0 15 0,6 0 43 16,6 0 18-16,1 0 9 0,3 0 15 16</inkml:trace>
   <inkml:trace contextRef="#ctx0" brushRef="#br0" timeOffset="65515.75">2840 4288 763 0,'0'-1'264'0,"0"0"-26"0,-3-1-21 16,3 2-20-16,-1 0 4 0,0 0-30 15,0 0-25-15,-1-2-8 0,0 2 1 0,0 0 16 16,0 0-30-16,0 0 0 0,-1-1 2 0,-1 2-19 15,-1-1 24-15,-2 0-12 0,1 0-13 0,1 0 1 16,0 2 12-16,5-2-5 0,-10 0-11 0,-16 12-5 16,12-7-7-16,-5 3 0 0,5 1-6 15,1 4-7-15,2-1-15 0,0 2 10 0,3 0-13 16,3 3-3-16,-2-5-10 0,6 4-7 16,1-3-7-16,0-13 6 0,0 12-8 0,16 17 3 15,-6-14-12-15,4-7-19 0,0 1-2 0,2-2-31 16,1-3 3-16,2-1-52 0,2-2-4 15,-8-1-18-15,3 0-19 0,4 0-43 0,1 0-20 16,22-15-24-16,-20 10 20 0,0-8-165 0,-2 4-112 16,0 0 60-16,-1-3 13 0,0 0 21 15,0 1 24-15,0-3 24 0,-4 2 20 0,2-4 8 16</inkml:trace>
-  <inkml:trace contextRef="#ctx0" brushRef="#br0" timeOffset="65769.43">3180 4159 556 0,'-2'-3'329'0,"-3"0"-21"0,0 0-47 0,1 2-18 15,1-2-8-15,1 2-26 0,-2 1-5 16,2 1 0-16,0 2-37 0,-1 3-19 0,1-1 60 16,1 15-5-16,1 0-35 0,-1 3-13 0,1-12 2 15,0 10-13-15,0-1-13 0,11 27-22 16,-8-22-15-16,0-1-15 0,-1-4-18 0,-1-3-30 15,3 1-2-15,-1-2-102 0,1-7-38 0,-3-2-43 16,-1-7-65-16,0 0 19 0,0 0-282 16,0 0 26-16,0 0 40 0,-6 9 64 0,4-9-10 15,-2-1 45-15,1-2-10 0,0 1 38 16,0 0-12-16</inkml:trace>
+  <inkml:trace contextRef="#ctx0" brushRef="#br0" timeOffset="65769.42">3180 4159 556 0,'-2'-3'329'0,"-3"0"-21"0,0 0-47 0,1 2-18 15,1-2-8-15,1 2-26 0,-2 1-5 16,2 1 0-16,0 2-37 0,-1 3-19 0,1-1 60 16,1 15-5-16,1 0-35 0,-1 3-13 0,1-12 2 15,0 10-13-15,0-1-13 0,11 27-22 16,-8-22-15-16,0-1-15 0,-1-4-18 0,-1-3-30 15,3 1-2-15,-1-2-102 0,1-7-38 0,-3-2-43 16,-1-7-65-16,0 0 19 0,0 0-282 16,0 0 26-16,0 0 40 0,-6 9 64 0,4-9-10 15,-2-1 45-15,1-2-10 0,0 1 38 16,0 0-12-16</inkml:trace>
   <inkml:trace contextRef="#ctx0" brushRef="#br0" timeOffset="66411.16">3026 4355 442 0,'0'0'390'0,"1"0"-46"0,1 2-29 16,2-2-13-16,-2 0-38 0,3-1-1 0,0 1-31 16,2-2-27-16,15-2-23 0,-5-4-20 0,2 4 16 15,2-2-24-15,-1 1-11 0,-1 0-12 16,0 1-31-16,-4 2-6 0,2-1-20 15,-4 1 4-15,-2 2-10 0,-11 0-30 0,9 0 16 16,-1 0-19-16,15 11 15 0,-12-6-3 0,-3 0-8 16,-2 1-4-16,-1-2 3 0,0 3-19 0,4 4-7 15,0 0 9-15,-4-3 1 0,-1 1-13 16,0-3-2-16,1 0-12 0,-1-1 1 0,-1-2-1 16,0 1 16-16,1 0-1 0,-1-3-32 15,-1 2 8-15,2-1 4 0,-4-2-4 0,0 0-9 16,7 0-6-16,-7 0-11 0,7 0 9 0,-7 0 22 15,8 0-49-15,3-12 20 0,-9 8-24 0,3 0-13 16,5-6 3-16,-2-1 18 0,-2 1 4 16,0 2 6-16,-2 2 1 0,-1-1-7 0,0 2 3 15,-1 1 22-15,0 0-6 0,0 1 1 16,0 1-2-16,-1 0 2 0,1 2 16 0,-1-2 17 16,-1 2 15-16,0 0 2 0,0 0 8 0,0 0 4 15,15 10-12-15,-11-6 27 0,4 6-14 0,2 1-7 16,0 0 27-16,-1-5-4 0,2 2-6 15,-3 0-18-15,3-1 19 0,1-3-5 0,-3 1-27 16,1-5 16-16,-3 1-11 0,1-1 5 16,-1 1 0-16,-7-1-11 0,0 0-2 0,9 0 2 15,4 0 13-15,9-11-1 0,-12 8-4 0,-3 0-19 16,0-1-8-16,-2-1-10 0,-1 1 9 16,2 0-18-16,-2 0-8 0,-2-1 29 15,1 0-22-15,0-1 10 0,0 2 4 0,-1-2-24 16,-1-1 7-16,0 2 0 0,1-1 8 0,-1-1 19 15,0 3-10-15,0-1 10 0,0 0-13 0,2 0-11 16,-3 1-26-16,1 1-10 0,0 0-23 16,-1 3-15-16,0 0-19 0,0 0-28 0,-3 0-15 15,3 2 14-15,-3 0-226 0,2 2-39 16,0 0 35-16,-1-1 36 0,4 2 9 0,0 0 51 16,2-1 2-16</inkml:trace>
   <inkml:trace contextRef="#ctx0" brushRef="#br0" timeOffset="67389.8">3968 4341 625 0,'-2'-2'317'0,"-1"2"-36"16,-1-2-6-16,2 0-30 0,-1 0-24 0,0 0-4 16,-1-1-34-16,0 0-5 0,-7-4-20 0,2 2-18 15,1 0-15-15,0 1 42 0,-1 0-10 16,-6 0-17-16,5 1-20 0,-1 3 5 0,2 0-28 16,-6 0 10-16,0 0-1 0,-17 11-24 0,15-2-8 15,0 1 10-15,0 0-8 0,2 4-11 16,1-2 10-16,3 3-22 0,2-1 2 0,1-2-3 15,3-2-11-15,3 0-2 0,2-3-8 0,0-7 4 16,0 0-5-16,0 8-16 0,0-8 16 0,14 14-7 16,-8-13-1-16,0 0-10 0,0-1 10 15,0 0-12-15,2-1 19 0,-1 0-22 0,0 1-13 16,16-11 4-16,-10 5-16 0,-3-1-2 0,1-1-13 16,-3 0 10-16,3-1 1 0,-5 2-31 15,0 0-12-15,-1 0 18 0,-2-1-4 0,0 4-2 16,7-6 9-16,-6 2-12 0,0 2 12 15,-2 2 12-15,0 2 26 0,0 0-2 0,0 2 11 16,-2 0 0-16,0 0 14 0,0 0 33 0,8 11 3 16,1 2 15-16,-1-1-1 0,0 3-2 0,3-3-8 15,-1 0 4-15,2-1 19 0,-4-3-18 16,8 0 2-16,-5-3 3 0,4 1 4 0,-3-4-17 16,1-1-2-16,-13-1-13 0,11 0 9 0,4 0-11 15,18-14-8-15,-16 7 0 0,-2-6 3 0,2 5-3 16,-2-3-13-16,1-2-11 0,-1-1-14 15,-3-1-10-15,2-2-4 0,-2 1-14 0,-1 0-10 16,-2-1-7-16,-1-2 12 0,-2 1-10 0,-1 3 4 16,1-5 5-16,-4 1 0 0,-1 3-10 15,-1 7 33-15,0-5 0 0,0 0-3 0,0 2 2 16,0 0 2-16,-14-10-10 0,11 16 27 0,1 0 5 16,0 1-11-16,0 0 25 0,-1 1 15 0,1 1-2 15,0-1 1-15,1 2-12 0,-1 1 23 16,0 1 1-16,0 2 11 0,-2 0-2 0,4 5 18 15,-1 10-7-15,-1 1 9 0,2-8 1 16,0 7 12-16,0 3-13 0,0 3-18 0,12 26 16 16,-5-23-16-16,2 1-8 0,2-3-9 0,-4 0 16 15,4-3-13-15,1-1-11 0,-2 0 9 16,2-6-17-16,-2-5 3 0,-1 2-7 0,-1-6-1 16,0-3 12-16,0 0-18 0,-2-2-29 15,-6 0-20-15,0 0-18 0,7 0-9 0,-7 0-35 16,17-12 0-16,-13 10 9 0,-1-1-105 15,0-1-42-15,-1-1-43 0,1 2 28 0,0-3-224 16,-1 1-39-16,-2 0 13 0,2-1 81 0,-1 2-10 16,1-1 52-16,0 2 32 0,1-1 7 0,1 1 48 15,1 0 3-15,8-3 6 0</inkml:trace>
   <inkml:trace contextRef="#ctx0" brushRef="#br0" timeOffset="68488.25">5195 4441 563 0,'0'-14'368'16,"0"14"-35"-16,0 0-12 0,0 0-20 0,0-13-24 16,-22-3-36-16,20 14-27 0,2 0-25 15,1 2 13-15,-1 2-10 0,2 2-17 0,-1 2 2 16,4 10-1-16,-3 1-23 0,-1-5-16 0,0 1-9 16,1 6-5-16,-1-2-36 0,1-6-21 15,-2-1-59-15,2 0 1 0,0-3-96 0,-2-2-30 16,2-2-47-16,-1-1-76 0,1-3 21 15,0 0-231-15,0-2 18 0,0-1 6 0,-1 0 51 16,2-2 24-16,-3-2 8 0,-1-8 50 0,1 6-19 16</inkml:trace>
@@ -601,7 +601,7 @@
   <inkml:trace contextRef="#ctx0" brushRef="#br0" timeOffset="159310.46">13179 10490 943 0,'-2'0'295'0,"0"3"-3"0,-1-1-41 0,-1 3 4 16,-2 10-27-16,-5 4-9 0,2 3-25 0,-1 2-22 16,1 7-19-16,0 3 59 0,-1 4-1 15,0 1-14-15,-1 4-4 0,0-1-20 0,-2-1-32 16,1 2-12-16,-1 0-13 0,0 0-14 15,0-5-7-15,-2 4 1 0,0-3-5 0,1-3-19 16,1-4-24-16,0 1-39 0,0-7-10 0,5-1 1 16,-3-2-23-16,1-2 3 0,4-2-91 15,0-4-31-15,2-6-14 0,0-2-49 0,2-5-23 16,1 1 22-16,1 0-221 0,0-3-25 16,0 0 49-16,3-2 13 0,-1-2 29 0,0 3 26 15,3-3 39-15,1 0 14 0,6-3-7 0</inkml:trace>
   <inkml:trace contextRef="#ctx0" brushRef="#br0" timeOffset="164800.04">13474 10515 664 0,'0'0'317'0,"0"-12"-39"0,0 12-27 15,0 0-5-15,0 0-39 0,0 0-10 0,0 0-38 16,0 0 24-16,0 0-14 0,0 0-19 16,0 0 39-16,0 0-11 0,0 0 6 0,11 7-24 15,-14 15 25-15,-1 5 1 0,0 4-18 16,4 0-12-16,-4 3 5 0,1 0-1 0,-2 4-6 16,4-1-34-16,0 1-1 0,-2-1-16 15,3-2-11-15,-3 1-2 0,2-3-11 0,-2-4 0 16,3 5-24-16,0-5 2 0,0-7-24 15,0-11-12-15,0 3-26 0,0 2-16 16,0-1-28-16,0-3-12 0,0-3-28 0,0-1 9 16,0-2-68-16,0-6-29 0,0 7-26 0,0-7-32 15,0 0-39-15,0 8 27 0,0-7-234 16,0 0 32-16,0 1 25 0,0-1 47 0,-1-1 17 16,1 3 24-16,0-1 26 0,0 2 26 15,0-1-6-15</inkml:trace>
   <inkml:trace contextRef="#ctx0" brushRef="#br0" timeOffset="165273.75">13447 11419 1002 0,'2'3'378'16,"-2"-3"-52"-16,1 3 10 0,-1-3-29 0,1 1-13 15,0 1-26-15,-1-1-9 0,1 0-34 16,-1 0-9-16,0 0-32 0,0 0-2 0,0 0-19 16,1 0-22-16,0-1-10 0,-2 1-12 0,1 0-8 15,-1 1-18-15,0 1-1 0,0-2-7 0,0 0-8 16,0 1 1-16,1 0-11 0,-4 1 5 16,2 0-7-16,0 1-3 0,0 0-19 0,1 1 17 15,-1-1-27-15,0 0 18 0,2 0-1 16,-4 0-2-16,3 0-6 0,1-1-2 0,-1 1-5 15,0-1 13-15,1 1-5 0,0-2 11 16,0-2-10-16,0 0-18 0,3 1 7 0,-2-1-5 16,2 0 15-16,-1-2-15 0,0 0 5 0,-1-1-20 15,1 0 22-15,-1-2-24 0,0 1 7 0,0 2 4 16,-1-3-3-16,1 2-4 0,1-1-9 16,-2 1-4-16,0-1 3 0,2 3-9 0,-4-2-29 15,2 1-8-15,-3 1-19 0,3 1-3 0,0 0-36 16,0 0-20-16,-7-3 13 0,6 3-103 15,1-1-12-15,-2-1-33 0,2 2-27 16,-3-1-12-16,3-2 30 0,0 3-219 0,0 0-22 16,0 0 79-16,11-10-1 0,-1 1 55 0,3 0 7 15,-4 5 36-15,5-4 26 0,2-2-19 16,-2-1 40-16</inkml:trace>
-  <inkml:trace contextRef="#ctx0" brushRef="#br0" timeOffset="165693.82">13800 10976 367 0,'1'-4'449'0,"0"1"-83"0,-1 2-53 15,-1-3 24-15,0 2-15 0,1 0-16 0,0-1-9 16,-2 1-9-16,2 2-10 0,0 0-25 0,0-1-15 16,0 0-19-16,-3 1-5 0,3 0-1 15,3 1-21-15,-3-1 11 0,2 1-24 0,1-1 16 16,3 2 4-16,0-2-40 0,15 5-6 0,4-2-16 16,1-1-14-16,3-1-9 0,1 0-19 15,4 2-2-15,-1 0-10 0,-1-1-21 0,-3-1 5 16,0 0-28-16,-4-1 15 0,0 0-38 15,-3 0-14-15,-7 0-9 0,-3 0-17 0,-3 0-28 16,-9 0-1-16,6 0-10 0,-6 0-5 16,10 0-21-16,-10 0-29 0,6 0-19 0,-6 0 12 15,0 0-79-15,7 0-17 0,0-13-66 0,-7 11-16 16,-1-2 25-16,0 1-257 0,-1 0 55 0,1-1-6 16,-1 0 70-16,-3 1 22 0,2 0 45 15,0 1-22-15,-3-1 58 0,1 1 28 0,0 0-6 16,-2 1 12-16</inkml:trace>
+  <inkml:trace contextRef="#ctx0" brushRef="#br0" timeOffset="165693.81">13800 10976 367 0,'1'-4'449'0,"0"1"-83"0,-1 2-53 15,-1-3 24-15,0 2-15 0,1 0-16 0,0-1-9 16,-2 1-9-16,2 2-10 0,0 0-25 0,0-1-15 16,0 0-19-16,-3 1-5 0,3 0-1 15,3 1-21-15,-3-1 11 0,2 1-24 0,1-1 16 16,3 2 4-16,0-2-40 0,15 5-6 0,4-2-16 16,1-1-14-16,3-1-9 0,1 0-19 15,4 2-2-15,-1 0-10 0,-1-1-21 0,-3-1 5 16,0 0-28-16,-4-1 15 0,0 0-38 15,-3 0-14-15,-7 0-9 0,-3 0-17 0,-3 0-28 16,-9 0-1-16,6 0-10 0,-6 0-5 16,10 0-21-16,-10 0-29 0,6 0-19 0,-6 0 12 15,0 0-79-15,7 0-17 0,0-13-66 0,-7 11-16 16,-1-2 25-16,0 1-257 0,-1 0 55 0,1-1-6 16,-1 0 70-16,-3 1 22 0,2 0 45 15,0 1-22-15,-3-1 58 0,1 1 28 0,0 0-6 16,-2 1 12-16</inkml:trace>
   <inkml:trace contextRef="#ctx0" brushRef="#br0" timeOffset="166753.68">13000 8661 565 0,'0'0'327'0,"16"-14"-11"0,7-3-47 0,-21 14 4 16,2-2-36-16,-1 3 18 0,2-3-27 15,-3 3-32-15,-1-4-23 0,1 2 43 0,-2-1-20 16,0 5-16-16,0 0 8 0,-12-21-21 0,0 13-15 16,1-1 0-16,-6 0 3 0,2 1-18 15,-2 5-2-15,-1-1-3 0,0 2-18 0,9 2 1 16,-6 0-12-16,-19 9-7 0,16 0-4 0,-3 4 14 15,2 3-12-15,1 2-2 0,1 1 16 0,3 0-7 16,-1 2-13-16,6 3 9 0,3 5 0 16,3-1 8-16,3-11-11 0,0 7-9 15,12 27-10-15,-2-27-7 0,3-1 17 0,2 0-7 16,2-1-44-16,4-3 14 0,-1 0 4 0,2-4-30 16,2-1-17-16,0-1-20 0,2-2-37 0,2-1-38 15,-2-3-36-15,2-2-55 0,1-2 16 0,-1-1-107 16,-14-2-58-16,8 0 30 0,29-12-265 15,-24 9 4-15,3-2 65 0,-1-3 31 16,-2 2 9-16,0 1 54 0,3-2 37 0,1 4 31 16,2-2 18-16,-1 1-7 0,1-3 34 0</inkml:trace>
   <inkml:trace contextRef="#ctx0" brushRef="#br0" timeOffset="167115.62">13494 8683 727 0,'-7'-1'352'0,"1"0"-28"0,1 1-25 0,0 0-37 16,1 0 40-16,-2 0-19 0,2 0-30 15,1-2-5-15,1 4-14 0,-1-4-24 0,1 2-5 16,2 0-6-16,0 0-6 0,3-1-12 0,4 1-3 16,16-2-7-16,-11 2-29 0,33-7-3 15,-12 6-11-15,1-1-10 0,4 2-21 16,-1 0-1-16,-2-1-36 0,-19 1-13 16,8 0-25-16,3 0-39 0,-3 0-25 0,0 0-30 15,-2 0 7-15,-6 0-103 0,-3 0-22 0,-1 0-14 16,-5 0-26-16,-7 0 25 0,7 0-154 0,1 6-120 15,-12-6 18-15,0 0 47 0,1 0 36 16,-4 0 22-16,1 0 16 0,-3 0 9 0,2 0 34 16,-2 0-4-16</inkml:trace>
   <inkml:trace contextRef="#ctx0" brushRef="#br0" timeOffset="167345.2">13715 8671 929 0,'0'0'398'15,"-6"0"-49"-15,6 0-46 0,0 0 33 16,-13 7 19-16,11-2 3 0,2 2-7 0,2 10-23 15,-2-6 2-15,0 5-5 0,12 25-48 16,-8-19-23-16,-2 9-31 0,1 1-23 0,-3-3-22 16,0-15-9-16,0 8-26 0,0 2-15 0,0 1-40 15,0-2-43-15,-9 24-31 0,6-27-25 0,-1-2-32 16,1-3-58-16,2-4-30 0,0-4 13 16,1 0-100-16,-2-3-58 0,0-2 26 15,0-1-299-15,2-2 25 0,-2 1 44 0,1-5 44 16,0 1 25-16,0 0 35 0,-1 0 4 15,0-1 29-15,-1 0 10 0,-4-7 49 0,0 5 6 16</inkml:trace>
@@ -894,9 +894,9 @@
   <inkml:trace contextRef="#ctx0" brushRef="#br0" timeOffset="119559.32">18254 9237 398 0,'0'-14'397'16,"0"14"-62"-16,0-14-16 0,-5-4-38 0,3 16-15 16,2 1-33-16,-1 4 53 0,0 1 4 15,0 4-22-15,1 12-9 0,-2 3-1 0,0 2-26 16,0 2-17-16,0 1-12 0,0-1-11 0,1 2-19 16,-1-4-12-16,1 2-31 0,-1-8-13 0,2-9-14 15,0 4-20-15,0 0-16 0,0-2-21 0,0 0-19 16,0-2-21-16,0-3-27 0,0-7 1 15,14 10-139-15,-10-11-43 0,1 0-67 16,0-3 25-16,9-3-248 0,-2-4-26 0,-1-1 68 16,0-2 31-16,-1 0 35 0,1 1 36 0,-4-2 15 15,2-1 28-15,1 2-16 0,-2 0 45 16</inkml:trace>
   <inkml:trace contextRef="#ctx0" brushRef="#br0" timeOffset="120523.38">18400 9336 1062 0,'1'-2'363'16,"-1"-1"-42"-16,1-1-60 0,-1 4-32 0,-1-1 51 15,0 2-15-15,-3 3-3 0,-9 4-26 16,0 1-16-16,0 2-21 0,-2 0-11 16,1 2-35-16,-2-2-1 0,2 4-28 0,1-5-7 15,0-1-8-15,-1 3-9 0,3-4-1 0,3-2-18 16,0 0-6-16,1-5-14 0,1 2 4 16,2 2-10-16,-1-3-6 0,1-1-12 0,0-1-6 15,0 0-23-15,4 0-15 0,0 0 1 0,0 0-10 16,0 0-6-16,0 0 12 0,0 0 9 15,-6-11-11-15,8 10 18 0,0 1-12 0,3 0 2 16,-1 0 4-16,0 2-4 0,2 0-3 0,10 5 17 16,-5-2 6-16,2 3-1 0,1 1 8 15,-3-1 11-15,5 1-6 0,-2 2-4 0,2-3 6 16,0-2 0-16,3-2-7 0,0-1 8 16,0 2-3-16,-10-5-4 0,6 0-2 0,2 0-2 15,20-15-5-15,-19 10 0 0,2-4-5 0,-4-1-1 16,2 0-4-16,-1-2-6 0,0-3-17 15,0 0-7-15,-4-1 13 0,1 1-8 0,-5-3-10 16,-1 3 15-16,-5 5-2 0,2-2 3 0,-3 7-7 16,0 0 6-16,-2 5-10 0,0 0 11 15,0 0-4-15,-14-9 4 0,9 9 1 0,-1 2 17 16,-9 5 5-16,3 1 2 0,-2 1 9 0,3 4 10 16,1-1 10-16,0 2-2 0,4-2 4 15,-2 3 0-15,5 2-2 0,2-5 2 0,1-12 16 16,0 13-24-16,10 10 12 0,-3-9 7 0,3-6-22 15,3-2 16-15,3-1-10 0,-1-2-13 16,-5-3 18-16,6 0-22 0,2 0-1 16,1 0-15-16,23-12-6 0,-22 1-14 0,1 1-9 15,-2-1-18-15,-2-3 2 0,0 0-1 16,-3-1 5-16,1 1-2 0,-5 4 12 0,-2-2-10 16,-2 4 3-16,-1 2 5 0,-3 3-1 0,-2 1 8 15,0 2-13-15,-5-1 22 0,3 4 4 0,-1-1-2 16,-1 3 20-16,1 0 2 0,-5 7 2 0,3-1 3 15,-1 2-2-15,2-5 17 0,4 3 2 16,-1-1-1-16,1-10 7 0,0 5 0 0,0 2 3 16,14 3-16-16,-3-1 1 0,2-6 9 15,-2 0-19-15,1-3 0 0,-2 0 7 0,5 0-13 16,3 0 3-16,19-15 0 0,-17 8-12 0,-3 0-4 16,4-6-5-16,-4-1-9 0,-2 1 7 0,-1 0-7 15,-2 3 2-15,-3-2-7 0,-3 3 8 16,-1 3-7-16,0 1 6 0,0 2-1 0,-3 1 0 15,-2 2-4-15,0 0 18 0,0 0-10 16,0 0 12-16,0 12-1 0,0-6-6 0,1 1 19 16,2 13-16-16,-3-11 13 0,7 29-4 0,-2-13 8 15,3 1 8-15,-3 3-10 0,1 2 3 16,-2-4 4-16,-2 3 10 0,0-2-10 0,-2-16-2 16,0 8 8-16,-12 24 3 0,4-23 1 15,-5-2 2-15,-3-6-13 0,-2 0 18 16,-1-2-21-16,-2-6 14 0,-2 2 2 0,0-5-1 15,-1-2-8-15,12 0 3 0,-6 0-10 16,0 0 27-16,-18-14-11 0,21 6 8 0,3 1-15 16,2-2 12-16,4-3-4 0,5 2-1 0,1 10-9 15,0-15 19-15,19-14-35 0,-4 11 8 16,4 0-3-16,6 2-16 0,3 2-37 0,8-3-9 16,-2 1-35-16,0 2-35 0,1-1-49 0,-4 1 16 15,-1-1-136-15,-5 5-65 0,0-2 30 16,-3 1-275-16,-7 3 65 0,2 1 67 0,-7 4 12 15,-2 0 39-15,-3 1 37 0,1 0 36 0,-4 0-16 16,0 2 47-16,-1 0 24 0,-1 0 12 16</inkml:trace>
   <inkml:trace contextRef="#ctx0" brushRef="#br0" timeOffset="136520.51">13887 10464 884 0,'0'-15'331'0,"-13"15"-24"0,13 0-60 0,0 0-14 15,0 0-10-15,0 0-16 0,0 0-26 0,0 0 22 16,-13 8-4-16,13 4-1 0,6 26-15 16,-4-9-16-16,1 4 0 0,1 3-25 0,-2 2-19 15,-2 0-10-15,0-19 0 0,0 9-18 16,0 2-3-16,0 2-10 0,0 0-12 0,0-1-35 16,0-2-47-16,0-1 2 0,0-3-44 0,0-5-19 15,-11 10-44-15,11-22-33 0,0-5-59 0,0-3 19 16,0 0-269-16,5 0 15 0,-3-3 39 15,0-3 23-15,-2 0 45 0,2-13-11 16,-2 0 65-16,2 0-12 0,-2-1-15 0</inkml:trace>
-  <inkml:trace contextRef="#ctx0" brushRef="#br0" timeOffset="136839.85">13822 10553 464 0,'-4'-8'385'15,"0"0"-23"-15,1 2-32 0,1-3-32 0,2 2-44 16,-2 2-10-16,2-4-29 0,0-3-16 0,19-16-23 16,-5 11 3-16,2-1-15 0,2 4-9 15,5 0-6-15,0 2-23 0,0 2-33 0,0 8 4 16,0 2 16-16,-13 0-15 0,22 15 3 0,-15-3-5 16,-3 2 0-16,2 6-22 0,-7 0 23 0,-2-2-19 15,-3 4 2-15,-1-2-5 0,-3 1-9 16,0-9-16-16,0 4 9 0,-15 17-19 0,5-13 13 15,-2-4-1-15,-1 1-16 0,-3 0-9 0,-1-5-29 16,0-2-22-16,0 1 5 0,-3-6 1 16,2 1 2-16,2-3-127 0,8-3-21 0,-4 0-29 15,-11-16-27-15,15 4-33 0,3 0 23 0,2 0-206 16,3 0-10-16,0 4 27 0,0-6 42 0,21-15 9 16,-8 12-2-16,2 0 50 0,1 2 6 15,1 0 30-15</inkml:trace>
+  <inkml:trace contextRef="#ctx0" brushRef="#br0" timeOffset="136839.84">13822 10553 464 0,'-4'-8'385'15,"0"0"-23"-15,1 2-32 0,1-3-32 0,2 2-44 16,-2 2-10-16,2-4-29 0,0-3-16 0,19-16-23 16,-5 11 3-16,2-1-15 0,2 4-9 15,5 0-6-15,0 2-23 0,0 2-33 0,0 8 4 16,0 2 16-16,-13 0-15 0,22 15 3 0,-15-3-5 16,-3 2 0-16,2 6-22 0,-7 0 23 0,-2-2-19 15,-3 4 2-15,-1-2-5 0,-3 1-9 16,0-9-16-16,0 4 9 0,-15 17-19 0,5-13 13 15,-2-4-1-15,-1 1-16 0,-3 0-9 0,-1-5-29 16,0-2-22-16,0 1 5 0,-3-6 1 16,2 1 2-16,2-3-127 0,8-3-21 0,-4 0-29 15,-11-16-27-15,15 4-33 0,3 0 23 0,2 0-206 16,3 0-10-16,0 4 27 0,0-6 42 0,21-15 9 16,-8 12-2-16,2 0 50 0,1 2 6 15,1 0 30-15</inkml:trace>
   <inkml:trace contextRef="#ctx0" brushRef="#br0" timeOffset="137596.37">14077 10419 620 0,'6'-5'240'0,"0"0"-21"16,-3 4 1-16,-1 4-13 0,0-1 3 0,-2 3 14 16,0 0-18-16,0 2 13 0,2 12 1 15,-2 2-43-15,1-1-19 0,-1-10 23 0,0 5-11 16,0 3-5-16,0 0-16 0,0 1-6 16,0-1-36-16,11 15-10 0,-8-21 15 0,-1-2-20 15,0-4-15-15,2 0 11 0,-2-4-5 0,2-2-20 16,2 0-24-16,-2-2 8 0,1 0 12 15,7-8-25-15,0 1-3 0,0-3-18 0,0-3-2 16,0-2-24-16,-1 0 5 0,1-3 1 0,-2-4 0 16,0 6 4-16,1-3 1 0,-4 2-28 0,0 3 2 15,1 1 38-15,-6 7-1 0,1 2-2 16,-1 3-14-16,-2 2 9 0,0 1 12 0,-2 8 6 16,0-1 7-16,-1 10 21 0,1 1-11 15,-3 0 10-15,4 2-3 0,1 0 5 0,0-11 14 16,0 7-7-16,0 1 2 0,15 17 0 0,-10-15-21 15,-1-9 23-15,3 3-9 0,-3-6-3 16,3 0 7-16,3-4-3 0,-2-2-5 0,-8-1-2 16,11 0-6-16,14-16-17 0,-9 6-22 0,-3-2-13 15,3-2-6-15,-2-3-18 0,-1 0-15 0,-1-2-15 16,-2 0-11-16,2-5 8 0,-4 2 6 16,-1-1 8-16,-1-3-29 0,0 4 14 0,-4 1 7 15,-2-1 6-15,0 14 7 0,0-4-13 0,0 3 1 16,0-1 6-16,-12-5 5 0,10 13 42 15,0 1-21-15,-2 2 10 0,1 1 3 0,-1 10 42 16,0-2 22-16,-3 7 4 0,6 3 15 16,-3 2 6-16,0 1 11 0,2 2-14 0,-1 1 14 15,3 1 0-15,0-1-17 0,0 1-10 0,0-14 14 16,0 5-8-16,0 2-5 0,0 2-12 16,0-4 9-16,0-3-10 0,0-4-4 0,0-2-8 15,0-1 22-15,0-8-9 0,0 6 0 16,11-1-4-16,-11-6-24 0,2-3-8 0,0 0-10 15,6-11-3-15,-3 3-17 0,3-5-10 16,1 2 12-16,3 3-10 0,1-2 3 0,3 3 2 16,-1 0 1-16,2 1-11 0,0 3-3 0,1 4-4 15,0-1 32-15,-5 4-13 0,-6 0 3 16,5 0 6-16,1 0-5 0,16 11 0 0,-20-5 6 16,3 3-13-16,-4-3 26 0,-1 1-9 0,-3 0 11 15,-2 2 5-15,-1-3 14 0,-1-6-5 0,0 0 11 16,0 9 4-16,-11 13-8 0,2-11-7 15,-5-1 11-15,1 1-31 0,-3-2-5 0,0 0-20 16,-4-1-33-16,0-1 7 0,2 0-74 0,1 0-26 16,2-2-28-16,2-2-16 0,13-3-29 15,-7 0-30-15,7 0 22 0,-15-15-207 0,17 10-33 16,2-10 74-16,5-3-9 0,5 1 61 16,-1-3 20-16,1 2 35 0,3-2-34 15,2 0 46-15,0-1-11 0</inkml:trace>
-  <inkml:trace contextRef="#ctx0" brushRef="#br0" timeOffset="137980.38">14828 10358 371 0,'12'-13'391'0,"-3"1"-36"0,-2 8-62 16,-2 1-33-16,-1 5 39 0,-4 1-60 0,2 4-28 15,-1 0 68-15,3 15-27 0,-4-2 2 16,2 6-6-16,-2 0-18 0,2 6 8 0,0 1-20 16,0 2-14-16,-2-2-18 0,2-1-12 15,1-3-20-15,-1-1-11 0,0-3-18 0,2-5-13 16,-2-1-23-16,0-4 8 0,0-4-27 0,0-2 14 15,2-4-23-15,-1-1-9 0,3-3-33 16,-6-1-6-16,0 0-20 0,23-13-17 0,-9 0-11 16,-1-1-8-16,-2-1-10 0,3-3-19 15,-1-1-5-15,-1 1-8 0,1 1 7 0,-4-1 9 16,2 4 21-16,-4 2 12 0,-1 3-17 16,-1 4 23-16,-1 0 5 0,-2 5 21 0,1 0 21 15,-3 0 17-15,0 6 8 0,0-1 7 0,0 1 0 16,-3 11 5-16,3-7-3 0,0 4 1 0,0 3 4 15,0 2-3-15,0-1-11 0,0 1-6 0,0-3 4 16,0-4 3-16,0-2-4 0,12 6-9 16,-8-10-14-16,-2-4-32 0,1-1-29 15,1-2-30-15,0 1 5 0,2-1-127 0,-4-2-51 16,2-1-36-16,-2 0 26 0,1 1-254 0,-3-2 3 16,0-1 66-16,2 0 39 0,-2 0 13 0,0 1 36 15,0 5 13-15,0-13 30 0,0-1 36 0,0-2-6 16</inkml:trace>
+  <inkml:trace contextRef="#ctx0" brushRef="#br0" timeOffset="137980.37">14828 10358 371 0,'12'-13'391'0,"-3"1"-36"0,-2 8-62 16,-2 1-33-16,-1 5 39 0,-4 1-60 0,2 4-28 15,-1 0 68-15,3 15-27 0,-4-2 2 16,2 6-6-16,-2 0-18 0,2 6 8 0,0 1-20 16,0 2-14-16,-2-2-18 0,2-1-12 15,1-3-20-15,-1-1-11 0,0-3-18 0,2-5-13 16,-2-1-23-16,0-4 8 0,0-4-27 0,0-2 14 15,2-4-23-15,-1-1-9 0,3-3-33 16,-6-1-6-16,0 0-20 0,23-13-17 0,-9 0-11 16,-1-1-8-16,-2-1-10 0,3-3-19 15,-1-1-5-15,-1 1-8 0,1 1 7 0,-4-1 9 16,2 4 21-16,-4 2 12 0,-1 3-17 16,-1 4 23-16,-1 0 5 0,-2 5 21 0,1 0 21 15,-3 0 17-15,0 6 8 0,0-1 7 0,0 1 0 16,-3 11 5-16,3-7-3 0,0 4 1 0,0 3 4 15,0 2-3-15,0-1-11 0,0 1-6 0,0-3 4 16,0-4 3-16,0-2-4 0,12 6-9 16,-8-10-14-16,-2-4-32 0,1-1-29 15,1-2-30-15,0 1 5 0,2-1-127 0,-4-2-51 16,2-1-36-16,-2 0 26 0,1 1-254 0,-3-2 3 16,0-1 66-16,2 0 39 0,-2 0 13 0,0 1 36 15,0 5 13-15,0-13 30 0,0-1 36 0,0-2-6 16</inkml:trace>
   <inkml:trace contextRef="#ctx0" brushRef="#br0" timeOffset="138115.75">15119 10442 779 0,'0'-12'314'15,"0"2"-46"-15,0 3-40 0,0 7-16 0,0 0-39 16,0 0-20-16,6-8-37 0,-8 12-24 16,-2 0-45-16,2 1-34 0,-1 10-46 0,-1-1-46 15,4-1 6-15,0-1-257 0,0-3 3 0,0 0 19 16,0 4-22-16,18 13 50 0,-9-13 22 0</inkml:trace>
   <inkml:trace contextRef="#ctx0" brushRef="#br0" timeOffset="138377.94">15303 10583 357 0,'4'-3'373'0,"6"-9"-47"0,-1 2-40 16,-7 3 10-16,2 0-10 0,-2 2-31 15,-2 0-31-15,3 1 9 0,-3 1-4 0,0 3-20 16,0 0-17-16,-7 0-3 0,1 2-6 0,-6 8-21 15,1 2 4-15,-2 4-18 0,1 2-11 16,1 4-12-16,2 2-5 0,0 2-19 0,2-1-3 16,7-2-7-16,0-1-14 0,0-13-1 15,0 4-14-15,13 16-9 0,-5-17 0 0,1 2-27 16,3-10-42-16,2 2-41 0,2-2 6 0,6-3-109 16,-13-1-37-16,5 0-45 0,20-9 24 15,-14 4-273-15,4 2 30 0,-1-2 25 0,6 1 40 16,0-3 30-16,1 1 31 0,-1 0 18 15,2 0 6-15,1-1 19 0,4 0 37 0</inkml:trace>
   <inkml:trace contextRef="#ctx0" brushRef="#br0" timeOffset="138672.73">16173 10281 862 0,'-6'-13'383'0,"0"3"-66"0,0 8-17 16,1 2-19-16,1 0-34 0,0 6-30 0,-1 11 31 16,-2 3 13-16,5 2-21 0,1 11 5 15,-3-3-13-15,0 1-24 0,2 3-25 16,2 5-13-16,-2-3-22 0,2-1-11 0,-1 2-9 16,1-5-25-16,0 3-19 0,-4-4-38 0,4-18-14 15,0 5-56-15,0 1 3 0,0-2 2 0,13 12-109 16,-6-23-52-16,0-5-36 0,-2-2-27 15,1-2 22-15,7-5-243 0,-1-3 19 0,-1-4 19 16,3-4 32-16,-3-1 28 0,2-1 21 16,1-1 27-16,-1 0 18 0,1 3-9 0,-1-3 35 15</inkml:trace>
@@ -906,12 +906,12 @@
   <inkml:trace contextRef="#ctx0" brushRef="#br0" timeOffset="141568.68">18773 10810 964 0,'5'-12'367'0,"-3"3"-21"0,1 1-43 16,-1 1 4-16,1 2-20 0,0 0-20 16,2 0-27-16,7-3-5 0,-2 4-23 0,2 3-16 15,-2 1-11-15,3 0-5 0,21 15-15 0,-15-2-5 16,-3 2-12-16,0 1-19 0,-5 3-8 16,-4 0-13-16,1 1-1 0,-5-1-21 0,-3-9-2 15,0 3-10-15,-12 19 0 0,5-17-23 0,-1-1 7 16,-3-1-26-16,-2-3-9 0,1-2-23 15,-3 1-27-15,4-4-35 0,2-1 7 0,0-4-107 16,9 0-22-16,-6 0-32 0,-4-10-73 16,8 6 29-16,-1-14-210 0,3 7-5 0,0-6 55 15,14-24 31-15,-7 14 10 0,3-3 24 0,1 1 37 16,6-2 18-16,0-2 12 0,2 2-4 0</inkml:trace>
   <inkml:trace contextRef="#ctx0" brushRef="#br0" timeOffset="141776.23">19099 10544 732 0,'17'-17'340'0,"-1"3"-41"0,-4 4-33 15,0 2 3-15,-2 7 11 0,-10 1-35 0,0 0 42 16,19 25 0-16,-13-5-9 0,-2 8-8 16,-3 5-18-16,-1-16-21 0,0 9-6 0,0 5-33 15,-15 38-8-15,6-34-18 0,-1 1-17 16,1 1-37-16,0-8-20 0,-1 1-41 0,0-3-13 16,1-1-39-16,0 0-35 0,3-7-30 0,1 1 7 15,-1-11-76-15,1-3-29 0,2-5-45 16,-1-1-16-16,4 0-32 0,0 0 24 0,0 0-223 0,-4-14-3 15,7-2 52-15,-1-2 44 0,-2 8-7 16,7-21 55-16,-1 12-5 0,-2 0 19 16,2-1 42-16</inkml:trace>
   <inkml:trace contextRef="#ctx0" brushRef="#br0" timeOffset="142116.14">19123 10843 942 0,'3'-10'238'0,"-1"3"22"0,0 2-3 16,0-1-11-16,0 3-15 0,0-2-9 16,0 3-25-16,1 0-22 0,-1-1-18 0,1 3 28 15,2 0 9-15,1 2 2 0,8 6-6 16,-4 0-3-16,0 3-3 0,-3 3-12 0,-1 3 7 15,-2 1-10-15,-2 1-20 0,-2 3-3 0,3 2-5 16,-3-14-31-16,0 5-2 0,0 2-7 16,0 1-5-16,0-3-27 0,0-3 7 0,0-1-11 15,0-2 8-15,0-3-7 0,8 5-5 16,-3-9-22-16,2-2-14 0,0 0-11 0,9-4-1 16,-8 4-10-16,16-14-22 0,-7 3-6 0,-4-1 12 15,3-2-14-15,-5 1 0 0,1-2 8 16,-3 1-2-16,-4 4 2 0,1-4-10 15,-4 5 9-15,-2-2-6 0,0 11 10 0,0-10-11 16,-17-11-7-16,5 13-7 0,-2 1 3 16,0 2-23-16,1 1 5 0,1 3-33 0,0 0 12 15,3 1 6-15,9 0-70 0,-9 0-13 0,1 0-32 16,2 0-13-16,6 0-15 0,-17 9-23 0,16-4 19 16,0-5-134-16,1 3-97 0,2-1 19 15,1 2 25-15,1-1 49 0,1-1 14 0,9 6 21 16,2-1 32-16,-4-3 14 0</inkml:trace>
-  <inkml:trace contextRef="#ctx0" brushRef="#br0" timeOffset="142589.88">19460 10918 843 0,'12'-7'320'0,"0"0"31"0,-3 0-35 0,-3 0-41 16,-2 2 7-16,-1 0-6 0,1 1-15 0,-3 0-12 16,-3 0-6-16,2 4-26 0,0 0-15 0,-10-3-16 15,4 5-15-15,-7 4-13 0,-2 3-19 16,2 6-6-16,-4 0-16 0,2-1-17 0,-2 3-5 15,5 0-6-15,1 3-16 0,3-4-7 0,2 2 2 16,0-4-5-16,1 0-10 0,3-4-1 16,2-3-5-16,0-7-8 0,0 0 5 0,0 6-6 15,12 2-20-15,-7-5-5 0,0-3-8 16,3-3-9-16,7-1-7 0,-1-1-7 0,3-3-19 16,0 1 5-16,-7-6-2 0,4-1-16 0,-1-1 23 15,-1-2-6-15,1 3 2 0,1-5-1 0,-3 5-8 16,-2 1 10-16,-2 2 19 0,-1 3-6 15,-2 1-5-15,0 2 2 0,-1 0 8 0,1 4-6 16,-3 1 10-16,-1 0 10 0,0 0 1 0,0 0 15 16,2 12-8-16,-2-3 17 0,0 12 11 15,0-10 5-15,0 8 7 0,0 5 0 0,-16 30 7 16,13-26 15-16,-3 1-23 0,1 1 2 0,-5 1 3 16,2 1-2-16,-1 1-19 0,-1-4-1 15,-1 2-5-15,0-3 5 0,-1-3-7 16,0-3-8-16,-1 0 15 0,-1-5-2 0,1-4-22 15,-1-4-21-15,3-5-9 0,1-4-31 0,10 0-28 16,-7 0-18-16,-3-11 9 0,8 4-92 16,4-11-28-16,-2 8-32 0,0-6-24 15,12-23-23-15,-2 15 27 0,-2-1-207 0,4 2-4 16,2-1 35-16,-1 0 20 0,2-1 48 16,-3 2 38-16,1 1 27 0,0 0-6 0,0 2 39 15,-1-5-16-15</inkml:trace>
+  <inkml:trace contextRef="#ctx0" brushRef="#br0" timeOffset="142589.87">19460 10918 843 0,'12'-7'320'0,"0"0"31"0,-3 0-35 0,-3 0-41 16,-2 2 7-16,-1 0-6 0,1 1-15 0,-3 0-12 16,-3 0-6-16,2 4-26 0,0 0-15 0,-10-3-16 15,4 5-15-15,-7 4-13 0,-2 3-19 16,2 6-6-16,-4 0-16 0,2-1-17 0,-2 3-5 15,5 0-6-15,1 3-16 0,3-4-7 0,2 2 2 16,0-4-5-16,1 0-10 0,3-4-1 16,2-3-5-16,0-7-8 0,0 0 5 0,0 6-6 15,12 2-20-15,-7-5-5 0,0-3-8 16,3-3-9-16,7-1-7 0,-1-1-7 0,3-3-19 16,0 1 5-16,-7-6-2 0,4-1-16 0,-1-1 23 15,-1-2-6-15,1 3 2 0,1-5-1 0,-3 5-8 16,-2 1 10-16,-2 2 19 0,-1 3-6 15,-2 1-5-15,0 2 2 0,-1 0 8 0,1 4-6 16,-3 1 10-16,-1 0 10 0,0 0 1 0,0 0 15 16,2 12-8-16,-2-3 17 0,0 12 11 15,0-10 5-15,0 8 7 0,0 5 0 0,-16 30 7 16,13-26 15-16,-3 1-23 0,1 1 2 0,-5 1 3 16,2 1-2-16,-1 1-19 0,-1-4-1 15,-1 2-5-15,0-3 5 0,-1-3-7 16,0-3-8-16,-1 0 15 0,-1-5-2 0,1-4-22 15,-1-4-21-15,3-5-9 0,1-4-31 0,10 0-28 16,-7 0-18-16,-3-11 9 0,8 4-92 16,4-11-28-16,-2 8-32 0,0-6-24 15,12-23-23-15,-2 15 27 0,-2-1-207 0,4 2-4 16,2-1 35-16,-1 0 20 0,2-1 48 16,-3 2 38-16,1 1 27 0,0 0-6 0,0 2 39 15,-1-5-16-15</inkml:trace>
   <inkml:trace contextRef="#ctx0" brushRef="#br0" timeOffset="142915.26">19606 10899 431 0,'8'-13'337'16,"2"2"4"-16,-3 1 3 0,-3 3-44 16,-1 3 15-16,-1 1-48 0,0 1 2 0,0 4 2 15,-1 0-5-15,-1 3-10 0,1 1-6 16,-1 1-20-16,3 14 1 0,-3 1-5 0,2-1-16 16,-1-1-31-16,1 1 0 0,-2-3-6 15,2 2-33-15,-2-6-16 0,0-7 0 0,0 1-2 16,0 0-32-16,0-1-10 0,0-1 2 0,0 1-3 15,0-7-12-15,0 7 17 0,0-7 5 16,0 6-21-16,0-6-2 0,0 0-3 0,-4 5-15 16,5-8-12-16,-1-3-5 0,3-1-4 15,2-9-16-15,1-3-34 0,1-1 8 0,0-1-2 16,2 0-17-16,0 0-1 0,-1 4-18 16,0 0-6-16,2 2-18 0,-2 3-20 0,-2 3-29 15,-1 4 0-15,-1 2 12 0,0-1-111 0,-4 4-18 16,0 0-10-16,0 0-25 0,0 0 23 0,7 0-151 15,5 13-77-15,-4 2 23 0,0-4 22 16,2 1 32-16,2-1 40 0,0 0 36 0,0-3-7 16,1 0 40-16,-1-1 8 0,2 1 14 15</inkml:trace>
   <inkml:trace contextRef="#ctx0" brushRef="#br0" timeOffset="143499.31">19921 10981 287 0,'10'-9'406'0,"-4"-1"-11"0,-2 1-69 15,0 0-41-15,-3 1 22 0,0 0 12 16,-1 8-17-16,0-8-21 0,0 2-27 0,-10-14 3 15,3 13-29-15,-2 2-30 0,0 3-6 16,-1 2-10-16,1 0-7 0,-18 14-9 0,10-4-23 16,1 3-13-16,2 2-5 0,-2 4-9 0,3-3-6 15,2-1-13-15,2 4-3 16,1-5-30-16,3 1 16 0,3-4-25 0,0-2 0 16,2-2-2-16,0 0 7 0,0-7-22 0,0 0-3 15,0 0 14-15,12 9-24 0,-6-6 0 0,3-6-23 16,9 1-6-16,-11 2-12 0,18-12-14 0,-10 5-4 15,1-4-3-15,0-2-9 0,-1 0-4 16,0-1 1-16,-5 0 14 0,3 3-18 0,-4 0 20 16,-1 6-8-16,-3 0 15 0,-1 0 5 15,-2 3-4-15,0 1-6 0,-2 1 15 0,0 0 0 16,0 6 11-16,0-2 9 0,-3 1 6 0,2 1-6 16,0 1 12-16,0-1-5 0,1 2-3 0,0-3 5 15,0-5 3-15,0 7-3 0,0-2 13 16,0-5 4-16,0 8-6 0,14 5-11 0,-10-10 16 15,0-1-10-15,0 1-10 0,2-3 12 16,1 0-8-16,-1-3-12 0,-1 1 0 0,10-9-7 16,0 1 0-16,-1-5-12 0,-1-1 8 15,-3 0-9-15,3 0 2 0,-4 3-1 0,-1 2 15 16,-3 3-12-16,1-1 7 0,-2 5-8 16,-1 2 9-16,-2 0 0 0,-2 2 2 0,1 4 7 15,-2 1 0-15,0 0 15 0,-6 12 7 0,1 3-2 16,1 3 15-16,-4 1 8 0,-1 2-10 0,3 0-1 15,0-2 6-15,0 2 6 0,-1 3-15 16,2-1-3-16,0 0-5 0,0 0 6 0,2 1-8 16,0 0 4-16,-1-3-24 0,2-3-10 0,1-5-22 15,-1-2-20-15,2-6-8 0,-2-3-39 16,4-7 9-16,0 0-133 0,0 0-32 0,-2 5-34 16,3-9 27-16,-3 2-257 0,3-4 36 0,-2 0 25 15,0-12 27-15,1 8 37 0,0-6 21 16,0-3 46-16,0-1 14 0,0 0 14 0,0-1 28 15,0 1-22-15</inkml:trace>
   <inkml:trace contextRef="#ctx0" brushRef="#br0" timeOffset="143764.51">20038 10972 339 0,'8'-20'368'0,"2"-1"-47"0,-1 4-24 16,0 0 19-16,0 2-40 0,-2 2 4 16,4 0 3-16,-3 3-18 0,3 4-37 15,-2 3-3-15,0 3-17 0,-9 0-5 0,13 0-24 16,17 18 1-16,-15-5-20 0,3 1-15 0,-7 1-6 15,2 2-18-15,-5 2-7 0,-2-2-13 0,0 1-12 16,-6-4-10-16,0-1-13 0,0-2 2 0,0-11-17 16,0 12-10-16,0-2-10 0,-14 9-11 15,8-14-14-15,-2 0-12 0,3-2-27 0,-3-2-31 16,3 2 5-16,-1-3-63 0,6 0-43 16,-11 0-25-16,-10-17-27 0,12 5-11 0,3 0-17 15,3-4 23-15,3-2-148 0,0 6-43 0,0-5 8 16,14-29 3-16,-6 19 60 0,2-3 7 15,3-1 39-15,3-1 47 0,0 2 165 16</inkml:trace>
   <inkml:trace contextRef="#ctx0" brushRef="#br0" timeOffset="144565.54">20279 10686 1051 0,'15'-24'217'16,"-1"2"-10"-16,-2 5 4 0,0 0-3 0,-1 5 4 15,-6 0-9-15,-1 7-28 0,2 0 11 0,-2 4 2 16,-2 1-32-16,-2 0-17 0,0 0 63 16,13 16-4-16,-11 0 5 0,1 7 3 0,-2 5-20 15,-1-11 6-15,0 8 2 0,0 6-5 16,-12 35-26-16,6-29 1 0,-1-2-22 0,-1 2-1 15,2-2-15-15,-1 0-9 0,0-6-29 0,1-2 17 16,-3 0-34-16,2-3 3 0,-1 0-13 0,3-8 2 16,0 0-10-16,2-5 6 0,0-4-7 15,1-4 12-15,-1 1-30 0,3-4 15 16,0 0-27-16,0-4 8 0,2 1-26 0,-1-2-7 16,6-7 1-16,4-5-32 0,0-2-3 15,2-2 1-15,2 0-5 0,-2 2-4 0,3 1 11 16,1 0-9-16,-1 1 9 0,0 0 2 0,-3 5-1 15,-2 3 3-15,-3 5-3 0,-2 3-1 16,-6 1 14-16,0 0 10 0,11 12 3 0,-10-6 6 16,1 1-2-16,-2 1 15 0,0 12 7 0,1 2 6 15,0-5-9-15,-1-1 9 0,0-6-16 16,1 0-5-16,-1-1 4 0,0-3 0 0,2-2 16 16,-2 3 0-16,0-3-11 0,3-2 25 15,-2 0 0-15,1 0-13 0,-1-2-13 0,-1 0 0 16,0 0-4-16,0 0-4 0,27-14-3 15,-15 7 15-15,2-6-22 0,0 1-5 0,0 0 3 16,0 0 1-16,1 1-7 0,-2 0 8 0,-5 4-6 16,0 2 3-16,-3 1-12 0,1 3 13 15,-6 1-9-15,0 0 11 0,0 0-6 16,6 13 10-16,-5-9-14 0,-1 2 4 0,0 1 5 16,2 0 13-16,-1 0-6 0,0-2-6 0,0 3 13 15,0-2 0-15,1 0 18 0,5 6-10 0,-4-3-7 16,4-4 3-16,-1-1 1 0,-1-1 19 15,2-2-10-15,-1 2 2 0,-6-3-19 0,8 0 22 16,3 0-6-16,19-11-13 0,-12 3-5 0,1-1 17 16,2 0-9-16,0-2 1 0,-3 2-3 15,0 2 7-15,-5 2-9 0,-3 0-2 16,-3 5-8-16,-4 0-6 0,-3 0 8 0,0 9-10 16,-7 8-2-16,1-1 17 0,-5 9-23 0,3 0 21 15,2 8 13-15,-2 2 19 0,1 5-3 16,0 6 18-16,2 3 1 0,-2 1-6 0,-1 0 29 15,0 1-8-15,0-1 10 0,-3-4 2 0,0-4 16 16,-1-5-15-16,-1-6 19 0,-1-3-16 0,-1-4-16 16,0-5-5-16,-4-4 7 0,0-5-24 15,-2-5 21-15,0-3-13 0,12-2-17 0,-15-16 4 16,7 5 8-16,0-2-22 0,2-4 2 0,4 1-13 16,0-3-1-16,5-5-28 0,3-2-5 0,3 13 3 15,0-8-71-15,20-27-20 0,-4 19-16 16,4-2-25-16,7-2-11 0,7 0-31 0,4 3-13 15,4 1 18-15,-2 6-82 0,-1 0-18 16,-2 3-39-16,-7 4-36 0,-3 3 31 0,-4 4-222 16,-4-1 36-16,-3 1 46 0,-2-1 43 0,-4 1 29 15,-2 4 16-15,1-1 56 0,-6 4 3 16,0 0 15-16,-1-2 38 0,-2 3-55 0</inkml:trace>
-  <inkml:trace contextRef="#ctx0" brushRef="#br0" timeOffset="151821.32">16602 11630 422 0,'0'-12'321'0,"0"12"-59"15,0 0-28-15,13 0 13 0,-13 0-26 0,0 0 4 16,25 12-5-16,-23 8-8 0,0 1-5 16,-2-9-12-16,0 5-21 0,0 4-19 0,0 1-25 15,0 3-13-15,0-3 10 0,-11 22-15 0,7-23-11 16,2-4-7-16,-2 0 7 0,3-5-15 15,-2-3-12-15,1-1-20 0,2-3-7 0,0 1-28 16,-2-2-49-16,2-1-51 0,0-3-38 16,-2-1-53-16,2 1-42 0,0-2 20 0,0-3-220 15,2 0-6-15,-2-2 44 0,0 0 18 16,4-11-1-16,-4 9 52 0,0-5-10 16,0-1 33-16</inkml:trace>
+  <inkml:trace contextRef="#ctx0" brushRef="#br0" timeOffset="151821.31">16602 11630 422 0,'0'-12'321'0,"0"12"-59"15,0 0-28-15,13 0 13 0,-13 0-26 0,0 0 4 16,25 12-5-16,-23 8-8 0,0 1-5 16,-2-9-12-16,0 5-21 0,0 4-19 0,0 1-25 15,0 3-13-15,0-3 10 0,-11 22-15 0,7-23-11 16,2-4-7-16,-2 0 7 0,3-5-15 15,-2-3-12-15,1-1-20 0,2-3-7 0,0 1-28 16,-2-2-49-16,2-1-51 0,0-3-38 16,-2-1-53-16,2 1-42 0,0-2 20 0,0-3-220 15,2 0-6-15,-2-2 44 0,0 0 18 16,4-11-1-16,-4 9 52 0,0-5-10 16,0-1 33-16</inkml:trace>
   <inkml:trace contextRef="#ctx0" brushRef="#br0" timeOffset="152249.47">16619 11735 602 0,'-4'-18'236'0,"0"8"-17"0,2 0-4 16,0 3 1-16,-1 0-12 0,3 0-16 0,0 2-21 16,-2-1 11-16,2 1 9 0,0 5-32 0,0 0-19 15,0-13-14-15,15-9 15 0,-7 11-20 16,-2 1-4-16,1-2 5 0,7 4-36 16,-5 1 3-16,6 1 3 0,1 0-7 0,-1 3-5 0,4 1-29 15,-7 2 17-15,3 0-11 0,5 0-6 16,16 15-5-16,-17-7-5 0,-2 1-19 0,-2 0 26 15,-3 5-8-15,-1-3-4 0,-3 1-3 16,-3 0-10-16,-4-3 6 0,-1-9-2 0,0 9-19 16,0 2 19-16,-16 15-3 0,4-13 7 15,-3-1-6-15,-1-2-1 0,-4 1-3 0,1-4 1 16,4 3-2-16,-3-4-1 0,0 0-2 0,0-1-1 16,0 1 10-16,2-3-16 0,3 0 0 15,3 0 0-15,2-2 16 0,2 0-13 0,1 1-2 16,0-1 0-16,3 1-5 0,-1-1 5 0,1 1-2 15,0 0 0-15,2-2 4 0,0 0 0 0,0 0-9 16,0 7 14-16,25 9 13 0,-14-5-23 16,3-3-13-16,-1 1 4 0,5 0 26 15,-3-1-6-15,1 1-30 0,2-1 28 0,0 0 8 16,-2-2-35-16,-3 2 1 0,4-1-100 0,-4-5-24 16,5 0-61-16,-7 1-54 0,-2-1 22 0,5-2-236 15,-14 0 31-15,7 0 16 0,-1 0 37 16,0 0 32-16,-6 0 23 0,10 0 27 15,-3 0 10-15,-1 0 3 0</inkml:trace>
   <inkml:trace contextRef="#ctx0" brushRef="#br0" timeOffset="152663.57">17164 11742 558 0,'5'-8'377'16,"-3"-1"-54"-16,0 1-30 0,-2 1-16 15,-2 0-40-15,2 1-17 0,0 6-31 0,0 0-26 16,-10-15 12-16,5 12-46 0,-8-3-9 0,-3 2-20 16,2 3-8-16,6 1 0 0,-5 0-3 15,-16 11-17-15,15-4 7 0,-4 4-23 16,7-1-7-16,0 0-25 0,1 0 41 0,2 2-17 16,6-1-14-16,0-2 4 0,1-1 3 0,1-8-12 15,0 6 3-15,10 6-8 0,2-4 9 0,2 0-24 16,2-2 15-16,4-1 5 0,1 0-7 15,-1 1-14-15,2 0 1 0,0-1-2 0,-4-1 11 16,-1 1 11-16,-2-1-16 0,-5 1-2 0,-4-2-31 16,-2 2 13-16,0-2-8 0,-1 1 21 15,-3-2-17-15,0-2 17 0,0 0 9 0,0 0-9 16,-11 16-8-16,-3-7 4 0,1-2-6 16,-2-2 9-16,-2 0 8 0,-3 0-13 0,2-2-2 15,-3 1 6-15,-3-4-16 0,1 2-23 0,5-1-25 16,8-1-28-16,-4 0-36 0,-1 0-33 0,1 0 16 15,3 0-207-15,-4-10-79 0,13 4 16 0,2 0 20 16,2 0 37-16,1 1 14 0,9-7 8 16,3 3 54-16,1 0-8 0</inkml:trace>
   <inkml:trace contextRef="#ctx0" brushRef="#br0" timeOffset="153141.84">17416 11730 529 0,'0'-2'331'0,"2"1"-37"16,-2 0-45-16,2 1-3 0,-2 0-35 16,-2 2 12-16,2 2 2 0,0 0-11 0,-2 2-29 15,1 10-13-15,1-1-17 0,0-3-18 0,0 3-14 16,0 2 26-16,0 3-24 0,0 1-11 16,11 19-13-16,-9-20-13 0,-1 0-2 0,1-7-30 15,-2 0 0-15,0-4 2 0,0-3-7 0,2 1 20 16,-2-2-20-16,0-5 13 0,0 0-12 15,0 0 6-15,0 0 9 0,0 7-27 0,0-7 15 16,-10 5-14-16,7-7-10 0,-1-1 2 0,3-2-17 16,-1-2-11-16,-1-8-7 0,1-3-16 15,2 9 2-15,0-6-33 0,0-3 13 0,12-21-21 16,-5 17 20-16,-1 1 6 0,1 1-18 16,0 3 30-16,-1 1 3 0,-1 1 0 0,2 4-1 15,3-2-15-15,-4 5 5 0,-2 1 30 0,2 4-10 16,-1-1-8-16,4 0 26 0,6 1-7 15,2-2 7-15,-6 5-1 0,-11 0 3 0,14 0 13 16,19 14 0-16,-18-4 0 0,2 6-7 0,-2 2 2 16,-3 0 22-16,-3 5-7 0,0 1-1 15,-3 1-10-15,1-1-15 0,-3 2 10 0,-3-3 12 16,1 0-10-16,-2-13 0 0,0 3 1 16,0 1-36-16,0 0 2 0,0-2-88 0,0-4-28 15,0-1-38-15,0-7-32 0,-14 14 18 16,12-12-296-16,-2-1 22 0,1-1 51 0,-1-1-4 0,0-1 47 15,-11-5 34-15,6-3 16 0,3-2 15 16,-1 0 35-16,-6 1-16 0</inkml:trace>
@@ -931,7 +931,7 @@
   <inkml:trace contextRef="#ctx0" brushRef="#br0" timeOffset="162760.16">17195 12443 767 0,'0'-3'310'15,"3"-1"-48"-15,-3 2-21 0,2 0 29 0,1 2-11 16,-1 1-24-16,-1 2-25 0,2 2 11 0,3 12-15 15,-2 0 0-15,-1 0 6 0,1 5-16 16,-1-1-12-16,0 3-30 0,-2 0-11 0,0-2-12 16,1 2-16-16,-2-3-19 0,2-3 2 0,-2 1-10 15,2 0-4-15,-2-6-8 0,2-2-9 16,0-2-14-16,-2-2-16 0,0-1-34 0,2-1-25 16,-1-3 2-16,1 1-110 0,0-1-39 0,2-1-46 15,-4-1-17-15,0 0 20 0,0 0-167 0,8 0-76 16,7-19 40-16,-9 7 5 0,0 2 52 15,1-3 3-15,-3 2 32 0,-2 1 15 16,6-4 36-16</inkml:trace>
   <inkml:trace contextRef="#ctx0" brushRef="#br0" timeOffset="163228.9">17366 12447 925 0,'0'-4'313'0,"2"-2"-21"0,1 2-27 0,-3 1-38 16,2-1-36-16,-2 3-9 0,0 0-15 15,0 0 30-15,0 2-23 0,-1 1 18 0,0 1-23 16,1 2 16-16,-3 11-11 0,3 2 0 16,0-7-5-16,0 4-11 0,0 5-10 0,0 1 0 15,0 1-13-15,0 1-23 0,0 0-4 0,0-1-11 16,0 0-13-16,0-1-6 0,0-1-5 0,5 18-6 16,-1-27-8-16,4 2-9 0,-2-1-6 15,2-4 4-15,-1-3 0 0,2-1-14 0,0-2-14 16,-2-1-4-16,2-1-6 0,-2 0-21 15,6 0-3-15,15-15-12 0,-13 7-16 0,-2-1-3 16,0-2-7-16,-1-3 5 0,0 0-5 16,-3 1 17-16,1 0-3 0,-4 1 1 0,0 2-6 15,-2 2 17-15,2 2-4 0,-4 1 20 0,-1 0-13 16,0 2 19-16,1 1-16 0,-2 0 15 16,0 2-12-16,0 2 33 0,-2-2-1 0,1 5 8 15,0-3 3-15,0 3 6 0,0 0 6 0,1 2-1 16,-1 0-3-16,1 2-5 0,0 4 3 15,0 0 7-15,0-4-16 0,14 18 7 0,-10-17-17 16,2-1 12-16,1-5-11 0,0 0-11 16,-1-1-29-16,1-2-36 0,9 2 6 0,-7-3-122 15,0 0-62-15,12-15-71 0,-12 7 32 0,-3 2-225 16,-3-2 30-16,1 1 27 0,0 0 47 0,1-5 36 16,-3-1 6-16,1 2 13 0,-3 11 35 15,0-10 35-15,0 1-1 0</inkml:trace>
   <inkml:trace contextRef="#ctx0" brushRef="#br0" timeOffset="163354.73">17644 12523 610 0,'-6'-7'341'0,"1"5"-40"15,1-1-57-15,-1 1-25 0,2 0-23 0,0 1-16 16,0 2-33-16,-1 1-40 0,4-2-40 0,-3 2-69 16,5 1 2-16,-2-1-232 0,1 1-123 15,1 1 0-15,2-1 19 0,8 6 27 0,-3 2 27 16</inkml:trace>
-  <inkml:trace contextRef="#ctx0" brushRef="#br0" timeOffset="163592.85">17740 12634 902 0,'1'2'332'16,"-1"1"30"-16,0 0-48 0,0 1 12 0,0 1-18 16,-1 0-28-16,-1 14-5 0,2-11-28 15,0 6-25-15,0 5-3 0,0 3-27 0,0-2-18 16,0 3-13-16,0 0-21 0,0 0-16 0,0 0-7 15,0-1-5-15,0-3-23 0,9 20-15 16,-6-27-36-16,-1 0-40 0,-1-6-40 0,-1 2 6 16,1-4-94-16,0-1-48 0,-1-2-54 15,0-1 24-15,-3-1-205 0,1-1-69 0,0 0 50 16,-2-3 26-16,-1 2 29 0,-4-13 16 16,0 3 35-16,-1 1 22 0,2-1 14 0,0 1 0 15</inkml:trace>
+  <inkml:trace contextRef="#ctx0" brushRef="#br0" timeOffset="163592.84">17740 12634 902 0,'1'2'332'16,"-1"1"30"-16,0 0-48 0,0 1 12 0,0 1-18 16,-1 0-28-16,-1 14-5 0,2-11-28 15,0 6-25-15,0 5-3 0,0 3-27 0,0-2-18 16,0 3-13-16,0 0-21 0,0 0-16 0,0 0-7 15,0-1-5-15,0-3-23 0,9 20-15 16,-6-27-36-16,-1 0-40 0,-1-6-40 0,-1 2 6 16,1-4-94-16,0-1-48 0,-1-2-54 15,0-1 24-15,-3-1-205 0,1-1-69 0,0 0 50 16,-2-3 26-16,-1 2 29 0,-4-13 16 16,0 3 35-16,-1 1 22 0,2-1 14 0,0 1 0 15</inkml:trace>
   <inkml:trace contextRef="#ctx0" brushRef="#br0" timeOffset="163843.53">17669 12708 470 0,'9'-11'348'0,"3"-3"-49"0,-1 3-15 15,5 1 12-15,-1-1-22 0,5 4-34 0,-2 2 17 16,5-1-26-16,-1 4 4 0,-13 2-44 16,6 0-7-16,-1 0-19 0,18 16-16 15,-18-9-10-15,-3 3-14 0,-3-3 4 0,-4 2-19 16,0 1-15-16,-4-3-17 0,0 1 8 0,0 1-19 15,0 3-3-15,-14 13-14 0,9-16 4 16,-3 2-17-16,1-3-21 0,0-3-1 0,-1 0-86 16,2-3-38-16,-2 0-48 0,1-2-38 15,7 0-36-15,-7 0 20 0,-2 0-227 0,-12-17-8 16,11 7 46-16,6-1 39 0,-3-1 6 16,4-5 46-16,1 5 6 0,2 2 10 0,0-6-17 15</inkml:trace>
   <inkml:trace contextRef="#ctx0" brushRef="#br0" timeOffset="164076.65">17934 12418 876 0,'5'-4'325'0,"-1"2"-21"0,0 2-27 15,-1 0-36-15,1 3 56 0,0 1 3 16,5 11-21-16,-2 6-6 0,1-1-6 0,-1 6 1 16,0 1-25-16,-2 2 3 0,1-3-24 0,-3 5-29 15,-1-1-22-15,1 1-22 0,0-1 3 16,-1-2-29-16,-2-6-21 0,2-2-9 15,-2 1-6-15,0-8-40 0,1-1-36 0,-1-12-26 16,0 9-41-16,0-4-37 0,0-5 8 0,0 0-141 16,0 0-69-16,-1 12 27 0,-1-14-259 0,1-1 28 15,0-4 57-15,-2 2-7 0,0-9 53 16,-2-3 13-16,0 2 25 0,-1 3 24 0,-1-2 2 16,2-1 48-16</inkml:trace>
   <inkml:trace contextRef="#ctx0" brushRef="#br0" timeOffset="164358.9">17945 12658 367 0,'0'-4'357'16,"0"0"-29"-16,0 1-40 0,0-2-13 16,1 3-20-16,1 1 4 0,0-4-31 0,2 4 4 15,1-1 2-15,0 0-14 0,2-1-19 0,11-1-12 16,1 3-8-16,0-2-24 0,0 1-5 16,2 2-18-16,-5 0-4 0,-2 0-33 0,-1 0-1 15,-13 0-17-15,12 0-3 0,16 10-7 16,-15-3-6-16,0-1-9 0,-5 3-7 0,2 2-2 15,0-2-1-15,-5 5-13 0,0-5 1 0,-2 2-3 16,-1-2 4-16,0 8-9 0,-1-6-12 0,-1-1 5 16,0-10-19-16,0 8-12 0,0-2-36 15,0 1 6-15,0-7-74 0,0 6-24 0,0-6-39 16,0 0-54-16,0 7-15 0,-8-1 22 0,7-6-238 16,-1-2 34-16,2-1 33 0,0 0 6 15,0-3 30-15,-2 2 40 0,4-3 28 0,-2-2 1 16,-2 3 8-16</inkml:trace>
@@ -1087,7 +1087,7 @@
   <inkml:trace contextRef="#ctx0" brushRef="#br0">15751 7147 504 0,'0'-15'285'0,"0"15"-41"0,0 0-17 0,0 0-18 15,-13-22 5-15,-6 23-10 0,8-1-33 0,-7 0 6 16,-3 0-15-16,-21 17-7 0,21-11-28 15,2 3 3-15,2 0-20 0,4 0-17 0,-2 4-18 16,4-4 21-16,8-4-22 0,1 0 7 0,2-5 8 16,0 0-17-16,15 24 14 0,-2-14-10 15,0-2-2-15,6 0-25 0,4-1-12 0,1 5 22 16,-1-4-5-16,0-1-7 0,-3 3-31 16,-2-1 23-16,0-2-4 0,-3 3-3 0,-5-5-3 15,-3 2 17-15,-2-1-5 0,-2-1-4 0,-1-1 22 16,-1 1 2-16,-1-5 6 0,0 0-18 15,0 0-14-15,-21 18 14 0,4-10-13 0,0-4-5 16,-4 1 2-16,0-3-38 0,-3-1 1 0,0 2-55 16,11-3-16-16,-8 0-14 0,1 0-41 15,-3 0-15-15,-18-14-12 0,24 6-29 0,10 4 17 16,1-2-165-16,1-1-100 0,5 2 15 0,0 5 35 16,14-19 24-16,-1 7 14 0,9-2 35 0,0 5 22 15,6-1 15-15</inkml:trace>
   <inkml:trace contextRef="#ctx0" brushRef="#br0" timeOffset="364.46">16098 7179 747 0,'12'-6'278'15,"-3"-1"-29"-15,-4 2-19 0,-5 2-29 16,-2 0-14-16,-2 0-6 0,-1 1-16 0,0 1 3 16,-2 1-6-16,0 0-22 0,-10 1 5 0,7-1-12 15,-4 0-27-15,-18 13-3 0,13-11-13 16,0 7-7-16,2-1-19 0,4 0-6 0,0 1 15 15,3 1-35-15,4-1 31 0,2 0-19 0,3-3-20 16,1-6 10-16,0 0 3 0,0 8-14 16,13 11 18-16,0-9-1 0,3-4-16 0,0 3-1 15,1-3-8-15,1 2 5 0,7-5-22 16,-2 2 15-16,-1 1-16 0,-1-1 19 0,-3 0-12 16,-6-3 5-16,-3 1-3 0,0 1-22 0,-3-1 22 15,-2-3-1-15,-2 3 25 0,-2-3-7 16,0 0 22-16,0 0-8 0,-21 14 5 0,9-12-37 15,-8 1 0-15,-3 0-2 0,-1-2 7 0,-1 2-3 16,-3-1-43-16,3 1-5 0,-7-1-28 0,3 1-26 16,5-2-12-16,3-1-27 0,10 0-19 15,-2 0-53-15,2 0 18 0,1-9-151 16,10 1-59-16,3 4 2 0,2-1 20 0,12-4 24 16,2 0 22-16,1-2 4 0,8 2 42 0,2-3-1 15</inkml:trace>
   <inkml:trace contextRef="#ctx0" brushRef="#br0" timeOffset="622.64">16309 7195 229 0,'26'-8'331'0,"-5"-4"-27"0,0 3-26 0,-4 4-12 16,-4 0-28-16,-7 1-24 0,-2 1-16 0,-3 1-22 15,0 2 2-15,-2 2-19 0,-3 1-15 0,1 1 1 16,-4 5-16-16,-3 5 35 0,-3 2 17 16,2-1-34-16,0 4 2 0,1-1-28 0,3-1 5 15,0-2-14-15,2 2 8 0,1 2-2 0,2-6-3 16,2-13 5-16,0 11-1 0,0 0-9 15,18 14-11-15,-8-14-19 0,3-2 7 0,0-1-9 16,4-3-14-16,1 1-13 0,4-5-22 0,0-1-46 16,0 2-25-16,-9-2 5 0,5 0-86 15,3 0-16-15,26-11-41 0,-28 7-63 0,4 0 24 16,-2-4-225-16,-3 4-37 0,-1-1 50 0,-1-4 43 16,-2 3-24-16,1 1 52 0,-3-5 19 0,-1 4 61 15,4 1-2-15,-2-1-5 0</inkml:trace>
-  <inkml:trace contextRef="#ctx0" brushRef="#br0" timeOffset="887.84">16977 7052 547 0,'5'-5'506'0,"-2"1"-87"0,-1 1-43 0,1 5-50 15,-3 1 4-15,2 1-10 0,-1 4-27 16,0 9-20-16,-1-5-12 0,0 8-7 0,-14 28-22 15,8-17-25-15,-3 3-1 0,0 3-36 0,0 3-18 16,-5 0-3-16,2 1-26 0,-3 3 6 16,1-5-43-16,0-2-26 0,2-2-42 0,1-3-34 15,-1-6-28-15,4 0 6 0,-1 1-107 0,4-6-21 16,3-7-40-16,2-14-58 0,0 0 27 0,13 12-251 16,-7-12 12-16,10-4 51 0,0-7-3 15,-1 2 35-15,0-8 51 0,2 0 4 0,1 0 31 16,2-5 28-16,2 1-1 0</inkml:trace>
+  <inkml:trace contextRef="#ctx0" brushRef="#br0" timeOffset="887.83">16977 7052 547 0,'5'-5'506'0,"-2"1"-87"0,-1 1-43 0,1 5-50 15,-3 1 4-15,2 1-10 0,-1 4-27 16,0 9-20-16,-1-5-12 0,0 8-7 0,-14 28-22 15,8-17-25-15,-3 3-1 0,0 3-36 0,0 3-18 16,-5 0-3-16,2 1-26 0,-3 3 6 16,1-5-43-16,0-2-26 0,2-2-42 0,1-3-34 15,-1-6-28-15,4 0 6 0,-1 1-107 0,4-6-21 16,3-7-40-16,2-14-58 0,0 0 27 0,13 12-251 16,-7-12 12-16,10-4 51 0,0-7-3 15,-1 2 35-15,0-8 51 0,2 0 4 0,1 0 31 16,2-5 28-16,2 1-1 0</inkml:trace>
   <inkml:trace contextRef="#ctx0" brushRef="#br0" timeOffset="1109.44">17220 7224 1135 0,'0'-3'394'15,"2"0"-16"-15,0 1-42 0,1-2-21 0,10-4-19 16,5 4-6-16,6 0-31 0,1 1-32 15,4 0-10-15,1 3-30 0,2-1-20 0,-1-3-25 16,2 2-48-16,-1 1-54 0,-2 1-29 16,-2-1-1-16,-6-1-132 0,-2 0-44 0,-5 0-60 15,-5 2 22-15,-3-1-262 0,-4 0 21 16,-1 1 37-16,-2 0 36 0,0 0-9 0,0 0 37 16,0 0 38-16,-12-3-18 0,9 1 39 0</inkml:trace>
   <inkml:trace contextRef="#ctx0" brushRef="#br0" timeOffset="1304.46">17491 7154 514 0,'-4'3'447'0,"0"1"-47"0,1 2-54 0,-2 10 31 15,-1 0-33-15,-1 4-19 0,-1-3-35 16,1 4-30-16,-1-1-23 0,1-2-22 0,-1 3-16 16,1 0-37-16,-2-2-24 0,3-4-65 15,1 2-28-15,0-2-4 0,5-5-114 0,-2-1-47 16,0 1-56-16,2-10-44 0,0 0 18 0,0 0-275 15,14 10 43-15,-8-10 42 0,2 0 37 0,10-7 12 16,1 0 25-16,3-1 46 0,0-4 15 16,0 1-7-16</inkml:trace>
   <inkml:trace contextRef="#ctx0" brushRef="#br0" timeOffset="1547.7">17767 7190 1056 0,'2'2'348'0,"-1"1"38"0,-2 1-31 0,0 1-22 15,-1 1-33-15,-4 11-22 0,1-2-25 16,-1 3 1-16,3-1-25 0,-1 1-2 0,2 0-33 16,2-7-12-16,0 7-9 0,0-11-5 15,0 5-28-15,0 1-15 0,17 13-11 0,-6-11-13 16,0-6 3-16,5-1-17 0,1 0-40 0,1-3-24 16,0-1-43-16,0-4-65 0,2 1 8 15,-11-1-117-15,4 0-31 0,18-10-61 0,-12 2 28 16,-2 1-249-16,2-1 22 0,0-2 39 0,-2 2 29 15,4 1 33-15,1-4 36 0,0 1 42 0,0 0-3 16,5 1 28-16,-4 2-4 0</inkml:trace>
@@ -1265,7 +1265,7 @@
           <a:p>
             <a:fld id="{E11B2482-E937-4F55-ACB9-C012A21C0083}" type="datetimeFigureOut">
               <a:rPr lang="en-IN" smtClean="0"/>
-              <a:t>14/02/22</a:t>
+              <a:t>04/05/22</a:t>
             </a:fld>
             <a:endParaRPr lang="en-IN"/>
           </a:p>
@@ -1435,7 +1435,7 @@
           <a:p>
             <a:fld id="{E11B2482-E937-4F55-ACB9-C012A21C0083}" type="datetimeFigureOut">
               <a:rPr lang="en-IN" smtClean="0"/>
-              <a:t>14/02/22</a:t>
+              <a:t>04/05/22</a:t>
             </a:fld>
             <a:endParaRPr lang="en-IN"/>
           </a:p>
@@ -1615,7 +1615,7 @@
           <a:p>
             <a:fld id="{E11B2482-E937-4F55-ACB9-C012A21C0083}" type="datetimeFigureOut">
               <a:rPr lang="en-IN" smtClean="0"/>
-              <a:t>14/02/22</a:t>
+              <a:t>04/05/22</a:t>
             </a:fld>
             <a:endParaRPr lang="en-IN"/>
           </a:p>
@@ -1785,7 +1785,7 @@
           <a:p>
             <a:fld id="{E11B2482-E937-4F55-ACB9-C012A21C0083}" type="datetimeFigureOut">
               <a:rPr lang="en-IN" smtClean="0"/>
-              <a:t>14/02/22</a:t>
+              <a:t>04/05/22</a:t>
             </a:fld>
             <a:endParaRPr lang="en-IN"/>
           </a:p>
@@ -2031,7 +2031,7 @@
           <a:p>
             <a:fld id="{E11B2482-E937-4F55-ACB9-C012A21C0083}" type="datetimeFigureOut">
               <a:rPr lang="en-IN" smtClean="0"/>
-              <a:t>14/02/22</a:t>
+              <a:t>04/05/22</a:t>
             </a:fld>
             <a:endParaRPr lang="en-IN"/>
           </a:p>
@@ -2263,7 +2263,7 @@
           <a:p>
             <a:fld id="{E11B2482-E937-4F55-ACB9-C012A21C0083}" type="datetimeFigureOut">
               <a:rPr lang="en-IN" smtClean="0"/>
-              <a:t>14/02/22</a:t>
+              <a:t>04/05/22</a:t>
             </a:fld>
             <a:endParaRPr lang="en-IN"/>
           </a:p>
@@ -2630,7 +2630,7 @@
           <a:p>
             <a:fld id="{E11B2482-E937-4F55-ACB9-C012A21C0083}" type="datetimeFigureOut">
               <a:rPr lang="en-IN" smtClean="0"/>
-              <a:t>14/02/22</a:t>
+              <a:t>04/05/22</a:t>
             </a:fld>
             <a:endParaRPr lang="en-IN"/>
           </a:p>
@@ -2748,7 +2748,7 @@
           <a:p>
             <a:fld id="{E11B2482-E937-4F55-ACB9-C012A21C0083}" type="datetimeFigureOut">
               <a:rPr lang="en-IN" smtClean="0"/>
-              <a:t>14/02/22</a:t>
+              <a:t>04/05/22</a:t>
             </a:fld>
             <a:endParaRPr lang="en-IN"/>
           </a:p>
@@ -2843,7 +2843,7 @@
           <a:p>
             <a:fld id="{E11B2482-E937-4F55-ACB9-C012A21C0083}" type="datetimeFigureOut">
               <a:rPr lang="en-IN" smtClean="0"/>
-              <a:t>14/02/22</a:t>
+              <a:t>04/05/22</a:t>
             </a:fld>
             <a:endParaRPr lang="en-IN"/>
           </a:p>
@@ -3120,7 +3120,7 @@
           <a:p>
             <a:fld id="{E11B2482-E937-4F55-ACB9-C012A21C0083}" type="datetimeFigureOut">
               <a:rPr lang="en-IN" smtClean="0"/>
-              <a:t>14/02/22</a:t>
+              <a:t>04/05/22</a:t>
             </a:fld>
             <a:endParaRPr lang="en-IN"/>
           </a:p>
@@ -3373,7 +3373,7 @@
           <a:p>
             <a:fld id="{E11B2482-E937-4F55-ACB9-C012A21C0083}" type="datetimeFigureOut">
               <a:rPr lang="en-IN" smtClean="0"/>
-              <a:t>14/02/22</a:t>
+              <a:t>04/05/22</a:t>
             </a:fld>
             <a:endParaRPr lang="en-IN"/>
           </a:p>
@@ -3586,7 +3586,7 @@
           <a:p>
             <a:fld id="{E11B2482-E937-4F55-ACB9-C012A21C0083}" type="datetimeFigureOut">
               <a:rPr lang="en-IN" smtClean="0"/>
-              <a:t>14/02/22</a:t>
+              <a:t>04/05/22</a:t>
             </a:fld>
             <a:endParaRPr lang="en-IN"/>
           </a:p>
